--- a/Daily(written_in_Korean)/180913.pptx
+++ b/Daily(written_in_Korean)/180913.pptx
@@ -5,25 +5,26 @@
     <p:sldMasterId id="2147483648" r:id="rId1"/>
   </p:sldMasterIdLst>
   <p:notesMasterIdLst>
-    <p:notesMasterId r:id="rId5"/>
+    <p:notesMasterId r:id="rId6"/>
   </p:notesMasterIdLst>
   <p:sldIdLst>
     <p:sldId id="332" r:id="rId2"/>
     <p:sldId id="333" r:id="rId3"/>
     <p:sldId id="335" r:id="rId4"/>
+    <p:sldId id="336" r:id="rId5"/>
   </p:sldIdLst>
   <p:sldSz cx="12192000" cy="6858000"/>
   <p:notesSz cx="6797675" cy="9928225"/>
   <p:embeddedFontLst>
     <p:embeddedFont>
       <p:font typeface="나눔바른고딕" panose="020B0600000101010101" charset="-127"/>
-      <p:regular r:id="rId6"/>
-      <p:bold r:id="rId7"/>
+      <p:regular r:id="rId7"/>
+      <p:bold r:id="rId8"/>
     </p:embeddedFont>
     <p:embeddedFont>
       <p:font typeface="맑은 고딕" panose="020B0503020000020004" pitchFamily="50" charset="-127"/>
-      <p:regular r:id="rId8"/>
-      <p:bold r:id="rId9"/>
+      <p:regular r:id="rId9"/>
+      <p:bold r:id="rId10"/>
     </p:embeddedFont>
   </p:embeddedFontLst>
   <p:defaultTextStyle>
@@ -132,6 +133,7 @@
             <p14:sldId id="332"/>
             <p14:sldId id="333"/>
             <p14:sldId id="335"/>
+            <p14:sldId id="336"/>
           </p14:sldIdLst>
         </p14:section>
       </p14:sectionLst>
@@ -687,6 +689,114 @@
     <p:extLst>
       <p:ext uri="{BB962C8B-B14F-4D97-AF65-F5344CB8AC3E}">
         <p14:creationId xmlns:p14="http://schemas.microsoft.com/office/powerpoint/2010/main" val="2010257508"/>
+      </p:ext>
+    </p:extLst>
+  </p:cSld>
+  <p:clrMapOvr>
+    <a:masterClrMapping/>
+  </p:clrMapOvr>
+</p:notes>
+</file>
+
+<file path=ppt/notesSlides/notesSlide3.xml><?xml version="1.0" encoding="utf-8"?>
+<p:notes xmlns:a="http://schemas.openxmlformats.org/drawingml/2006/main" xmlns:r="http://schemas.openxmlformats.org/officeDocument/2006/relationships" xmlns:p="http://schemas.openxmlformats.org/presentationml/2006/main">
+  <p:cSld>
+    <p:spTree>
+      <p:nvGrpSpPr>
+        <p:cNvPr id="1" name=""/>
+        <p:cNvGrpSpPr/>
+        <p:nvPr/>
+      </p:nvGrpSpPr>
+      <p:grpSpPr>
+        <a:xfrm>
+          <a:off x="0" y="0"/>
+          <a:ext cx="0" cy="0"/>
+          <a:chOff x="0" y="0"/>
+          <a:chExt cx="0" cy="0"/>
+        </a:xfrm>
+      </p:grpSpPr>
+      <p:sp>
+        <p:nvSpPr>
+          <p:cNvPr id="2" name="슬라이드 이미지 개체 틀 1"/>
+          <p:cNvSpPr>
+            <a:spLocks noGrp="1" noRot="1" noChangeAspect="1"/>
+          </p:cNvSpPr>
+          <p:nvPr>
+            <p:ph type="sldImg"/>
+          </p:nvPr>
+        </p:nvSpPr>
+        <p:spPr/>
+      </p:sp>
+      <p:sp>
+        <p:nvSpPr>
+          <p:cNvPr id="3" name="슬라이드 노트 개체 틀 2"/>
+          <p:cNvSpPr>
+            <a:spLocks noGrp="1"/>
+          </p:cNvSpPr>
+          <p:nvPr>
+            <p:ph type="body" idx="1"/>
+          </p:nvPr>
+        </p:nvSpPr>
+        <p:spPr/>
+        <p:txBody>
+          <a:bodyPr/>
+          <a:lstStyle/>
+          <a:p>
+            <a:r>
+              <a:rPr lang="ko-KR" altLang="en-US" dirty="0" err="1" smtClean="0"/>
+              <a:t>라즈베리파이</a:t>
+            </a:r>
+            <a:r>
+              <a:rPr lang="ko-KR" altLang="en-US" dirty="0" smtClean="0"/>
+              <a:t> </a:t>
+            </a:r>
+            <a:r>
+              <a:rPr lang="en-US" altLang="ko-KR" dirty="0" smtClean="0"/>
+              <a:t>+ </a:t>
+            </a:r>
+            <a:r>
+              <a:rPr lang="en-US" altLang="ko-KR" dirty="0" err="1" smtClean="0"/>
+              <a:t>Hostapd</a:t>
+            </a:r>
+            <a:r>
+              <a:rPr lang="en-US" altLang="ko-KR" baseline="0" dirty="0" smtClean="0"/>
+              <a:t> </a:t>
+            </a:r>
+            <a:r>
+              <a:rPr lang="ko-KR" altLang="en-US" baseline="0" dirty="0" smtClean="0"/>
+              <a:t>언급</a:t>
+            </a:r>
+            <a:endParaRPr lang="ko-KR" altLang="en-US" dirty="0"/>
+          </a:p>
+        </p:txBody>
+      </p:sp>
+      <p:sp>
+        <p:nvSpPr>
+          <p:cNvPr id="4" name="슬라이드 번호 개체 틀 3"/>
+          <p:cNvSpPr>
+            <a:spLocks noGrp="1"/>
+          </p:cNvSpPr>
+          <p:nvPr>
+            <p:ph type="sldNum" sz="quarter" idx="10"/>
+          </p:nvPr>
+        </p:nvSpPr>
+        <p:spPr/>
+        <p:txBody>
+          <a:bodyPr/>
+          <a:lstStyle/>
+          <a:p>
+            <a:fld id="{E566889A-3710-4D9C-9B84-4DD3102F142B}" type="slidenum">
+              <a:rPr lang="ko-KR" altLang="en-US" smtClean="0"/>
+              <a:t>4</a:t>
+            </a:fld>
+            <a:endParaRPr lang="ko-KR" altLang="en-US"/>
+          </a:p>
+        </p:txBody>
+      </p:sp>
+    </p:spTree>
+    <p:extLst>
+      <p:ext uri="{BB962C8B-B14F-4D97-AF65-F5344CB8AC3E}">
+        <p14:creationId xmlns:p14="http://schemas.microsoft.com/office/powerpoint/2010/main" val="433403432"/>
       </p:ext>
     </p:extLst>
   </p:cSld>
@@ -3795,8 +3905,8 @@
         </p:nvSpPr>
         <p:spPr>
           <a:xfrm>
-            <a:off x="525685" y="0"/>
-            <a:ext cx="5202016" cy="936132"/>
+            <a:off x="525684" y="0"/>
+            <a:ext cx="11075765" cy="936132"/>
           </a:xfrm>
           <a:prstGeom prst="rect">
             <a:avLst/>
@@ -3805,7 +3915,7 @@
         </p:spPr>
         <p:txBody>
           <a:bodyPr vert="horz" lIns="91440" tIns="45720" rIns="91440" bIns="45720" rtlCol="0" anchor="b">
-            <a:normAutofit/>
+            <a:noAutofit/>
           </a:bodyPr>
           <a:lstStyle>
             <a:lvl1pPr algn="ctr" defTabSz="914400" rtl="0" eaLnBrk="1" latinLnBrk="1" hangingPunct="1">
@@ -3828,16 +3938,66 @@
           </a:lstStyle>
           <a:p>
             <a:r>
-              <a:rPr lang="ko-KR" altLang="en-US" sz="4000" dirty="0" smtClean="0">
+              <a:rPr lang="en-US" altLang="ko-KR" sz="2400" dirty="0">
                 <a:solidFill>
                   <a:srgbClr val="434B56"/>
                 </a:solidFill>
                 <a:latin typeface="나눔바른고딕" panose="020B0603020101020101" pitchFamily="50" charset="-127"/>
                 <a:ea typeface="나눔바른고딕" panose="020B0603020101020101" pitchFamily="50" charset="-127"/>
               </a:rPr>
-              <a:t>제목</a:t>
-            </a:r>
-            <a:endParaRPr lang="en-US" altLang="ko-KR" sz="4000" dirty="0">
+              <a:t>SDN </a:t>
+            </a:r>
+            <a:r>
+              <a:rPr lang="ko-KR" altLang="en-US" sz="2400" dirty="0">
+                <a:solidFill>
+                  <a:srgbClr val="434B56"/>
+                </a:solidFill>
+                <a:latin typeface="나눔바른고딕" panose="020B0603020101020101" pitchFamily="50" charset="-127"/>
+                <a:ea typeface="나눔바른고딕" panose="020B0603020101020101" pitchFamily="50" charset="-127"/>
+              </a:rPr>
+              <a:t>기반 다중 무선 네트워크에서 </a:t>
+            </a:r>
+            <a:r>
+              <a:rPr lang="en-US" altLang="ko-KR" sz="2400" dirty="0" err="1">
+                <a:solidFill>
+                  <a:srgbClr val="434B56"/>
+                </a:solidFill>
+                <a:latin typeface="나눔바른고딕" panose="020B0603020101020101" pitchFamily="50" charset="-127"/>
+                <a:ea typeface="나눔바른고딕" panose="020B0603020101020101" pitchFamily="50" charset="-127"/>
+              </a:rPr>
+              <a:t>QoS</a:t>
+            </a:r>
+            <a:r>
+              <a:rPr lang="en-US" altLang="ko-KR" sz="2400" dirty="0">
+                <a:solidFill>
+                  <a:srgbClr val="434B56"/>
+                </a:solidFill>
+                <a:latin typeface="나눔바른고딕" panose="020B0603020101020101" pitchFamily="50" charset="-127"/>
+                <a:ea typeface="나눔바른고딕" panose="020B0603020101020101" pitchFamily="50" charset="-127"/>
+              </a:rPr>
+              <a:t>/</a:t>
+            </a:r>
+            <a:r>
+              <a:rPr lang="en-US" altLang="ko-KR" sz="2400" dirty="0" err="1">
+                <a:solidFill>
+                  <a:srgbClr val="434B56"/>
+                </a:solidFill>
+                <a:latin typeface="나눔바른고딕" panose="020B0603020101020101" pitchFamily="50" charset="-127"/>
+                <a:ea typeface="나눔바른고딕" panose="020B0603020101020101" pitchFamily="50" charset="-127"/>
+              </a:rPr>
+              <a:t>QoE</a:t>
+            </a:r>
+            <a:r>
+              <a:rPr lang="ko-KR" altLang="en-US" sz="2400" dirty="0">
+                <a:solidFill>
+                  <a:srgbClr val="434B56"/>
+                </a:solidFill>
+                <a:latin typeface="나눔바른고딕" panose="020B0603020101020101" pitchFamily="50" charset="-127"/>
+                <a:ea typeface="나눔바른고딕" panose="020B0603020101020101" pitchFamily="50" charset="-127"/>
+              </a:rPr>
+              <a:t>를 고려한 스트리밍 서비스 시스템</a:t>
+            </a:r>
+            <a:endParaRPr lang="en-US" altLang="ko-KR" sz="2400" dirty="0">
               <a:solidFill>
                 <a:srgbClr val="434B56"/>
               </a:solidFill>
@@ -3855,8 +4015,8 @@
         </p:nvCxnSpPr>
         <p:spPr>
           <a:xfrm flipV="1">
-            <a:off x="229507" y="942975"/>
-            <a:ext cx="5866493" cy="10886"/>
+            <a:off x="229507" y="932211"/>
+            <a:ext cx="11667218" cy="21650"/>
           </a:xfrm>
           <a:prstGeom prst="line">
             <a:avLst/>
@@ -3885,382 +4045,6 @@
           </a:fontRef>
         </p:style>
       </p:cxnSp>
-      <p:cxnSp>
-        <p:nvCxnSpPr>
-          <p:cNvPr id="92" name="직선 연결선 91"/>
-          <p:cNvCxnSpPr/>
-          <p:nvPr/>
-        </p:nvCxnSpPr>
-        <p:spPr>
-          <a:xfrm>
-            <a:off x="6438900" y="352425"/>
-            <a:ext cx="1" cy="6210300"/>
-          </a:xfrm>
-          <a:prstGeom prst="line">
-            <a:avLst/>
-          </a:prstGeom>
-          <a:ln>
-            <a:solidFill>
-              <a:schemeClr val="tx2">
-                <a:lumMod val="50000"/>
-                <a:alpha val="50000"/>
-              </a:schemeClr>
-            </a:solidFill>
-            <a:prstDash val="lgDashDotDot"/>
-          </a:ln>
-        </p:spPr>
-        <p:style>
-          <a:lnRef idx="1">
-            <a:schemeClr val="accent1"/>
-          </a:lnRef>
-          <a:fillRef idx="0">
-            <a:schemeClr val="accent1"/>
-          </a:fillRef>
-          <a:effectRef idx="0">
-            <a:schemeClr val="accent1"/>
-          </a:effectRef>
-          <a:fontRef idx="minor">
-            <a:schemeClr val="tx1"/>
-          </a:fontRef>
-        </p:style>
-      </p:cxnSp>
-      <p:sp>
-        <p:nvSpPr>
-          <p:cNvPr id="121" name="제목 1"/>
-          <p:cNvSpPr txBox="1">
-            <a:spLocks/>
-          </p:cNvSpPr>
-          <p:nvPr/>
-        </p:nvSpPr>
-        <p:spPr>
-          <a:xfrm>
-            <a:off x="6678835" y="0"/>
-            <a:ext cx="5202016" cy="936132"/>
-          </a:xfrm>
-          <a:prstGeom prst="rect">
-            <a:avLst/>
-          </a:prstGeom>
-          <a:noFill/>
-        </p:spPr>
-        <p:txBody>
-          <a:bodyPr vert="horz" lIns="91440" tIns="45720" rIns="91440" bIns="45720" rtlCol="0" anchor="b">
-            <a:normAutofit/>
-          </a:bodyPr>
-          <a:lstStyle>
-            <a:lvl1pPr algn="ctr" defTabSz="914400" rtl="0" eaLnBrk="1" latinLnBrk="1" hangingPunct="1">
-              <a:lnSpc>
-                <a:spcPct val="90000"/>
-              </a:lnSpc>
-              <a:spcBef>
-                <a:spcPct val="0"/>
-              </a:spcBef>
-              <a:buNone/>
-              <a:defRPr sz="6000" kern="1200">
-                <a:solidFill>
-                  <a:schemeClr val="tx1"/>
-                </a:solidFill>
-                <a:latin typeface="+mj-lt"/>
-                <a:ea typeface="+mj-ea"/>
-                <a:cs typeface="+mj-cs"/>
-              </a:defRPr>
-            </a:lvl1pPr>
-          </a:lstStyle>
-          <a:p>
-            <a:r>
-              <a:rPr lang="ko-KR" altLang="en-US" sz="4000" dirty="0" smtClean="0">
-                <a:solidFill>
-                  <a:srgbClr val="434B56"/>
-                </a:solidFill>
-                <a:latin typeface="나눔바른고딕" panose="020B0603020101020101" pitchFamily="50" charset="-127"/>
-                <a:ea typeface="나눔바른고딕" panose="020B0603020101020101" pitchFamily="50" charset="-127"/>
-              </a:rPr>
-              <a:t>향후 </a:t>
-            </a:r>
-            <a:r>
-              <a:rPr lang="ko-KR" altLang="en-US" sz="4000" dirty="0">
-                <a:solidFill>
-                  <a:srgbClr val="434B56"/>
-                </a:solidFill>
-                <a:latin typeface="나눔바른고딕" panose="020B0603020101020101" pitchFamily="50" charset="-127"/>
-                <a:ea typeface="나눔바른고딕" panose="020B0603020101020101" pitchFamily="50" charset="-127"/>
-              </a:rPr>
-              <a:t>개발 내용</a:t>
-            </a:r>
-          </a:p>
-        </p:txBody>
-      </p:sp>
-      <p:cxnSp>
-        <p:nvCxnSpPr>
-          <p:cNvPr id="124" name="직선 연결선 123"/>
-          <p:cNvCxnSpPr/>
-          <p:nvPr/>
-        </p:nvCxnSpPr>
-        <p:spPr>
-          <a:xfrm flipV="1">
-            <a:off x="6725557" y="901787"/>
-            <a:ext cx="5237843" cy="10886"/>
-          </a:xfrm>
-          <a:prstGeom prst="line">
-            <a:avLst/>
-          </a:prstGeom>
-          <a:ln>
-            <a:solidFill>
-              <a:schemeClr val="tx2">
-                <a:lumMod val="50000"/>
-                <a:alpha val="50000"/>
-              </a:schemeClr>
-            </a:solidFill>
-          </a:ln>
-        </p:spPr>
-        <p:style>
-          <a:lnRef idx="1">
-            <a:schemeClr val="accent1"/>
-          </a:lnRef>
-          <a:fillRef idx="0">
-            <a:schemeClr val="accent1"/>
-          </a:fillRef>
-          <a:effectRef idx="0">
-            <a:schemeClr val="accent1"/>
-          </a:effectRef>
-          <a:fontRef idx="minor">
-            <a:schemeClr val="tx1"/>
-          </a:fontRef>
-        </p:style>
-      </p:cxnSp>
-      <p:sp>
-        <p:nvSpPr>
-          <p:cNvPr id="140" name="TextBox 139"/>
-          <p:cNvSpPr txBox="1"/>
-          <p:nvPr/>
-        </p:nvSpPr>
-        <p:spPr>
-          <a:xfrm>
-            <a:off x="6834658" y="5255145"/>
-            <a:ext cx="5357342" cy="461665"/>
-          </a:xfrm>
-          <a:prstGeom prst="rect">
-            <a:avLst/>
-          </a:prstGeom>
-          <a:noFill/>
-        </p:spPr>
-        <p:txBody>
-          <a:bodyPr wrap="square" rtlCol="0">
-            <a:spAutoFit/>
-          </a:bodyPr>
-          <a:lstStyle/>
-          <a:p>
-            <a:r>
-              <a:rPr lang="en-US" altLang="ko-KR" sz="2400" dirty="0">
-                <a:latin typeface="나눔바른고딕" panose="020B0603020101020101" pitchFamily="50" charset="-127"/>
-                <a:ea typeface="나눔바른고딕" panose="020B0603020101020101" pitchFamily="50" charset="-127"/>
-              </a:rPr>
-              <a:t>Communication </a:t>
-            </a:r>
-            <a:r>
-              <a:rPr lang="en-US" altLang="ko-KR" sz="2400" dirty="0" smtClean="0">
-                <a:latin typeface="나눔바른고딕" panose="020B0603020101020101" pitchFamily="50" charset="-127"/>
-                <a:ea typeface="나눔바른고딕" panose="020B0603020101020101" pitchFamily="50" charset="-127"/>
-              </a:rPr>
-              <a:t>protocol</a:t>
-            </a:r>
-          </a:p>
-        </p:txBody>
-      </p:sp>
-      <p:sp>
-        <p:nvSpPr>
-          <p:cNvPr id="141" name="TextBox 140"/>
-          <p:cNvSpPr txBox="1"/>
-          <p:nvPr/>
-        </p:nvSpPr>
-        <p:spPr>
-          <a:xfrm>
-            <a:off x="7369478" y="5665765"/>
-            <a:ext cx="4523665" cy="369332"/>
-          </a:xfrm>
-          <a:prstGeom prst="rect">
-            <a:avLst/>
-          </a:prstGeom>
-          <a:noFill/>
-        </p:spPr>
-        <p:txBody>
-          <a:bodyPr wrap="square" rtlCol="0">
-            <a:spAutoFit/>
-          </a:bodyPr>
-          <a:lstStyle/>
-          <a:p>
-            <a:pPr marL="285750" indent="-285750">
-              <a:buFont typeface="Wingdings" panose="05000000000000000000" pitchFamily="2" charset="2"/>
-              <a:buChar char="§"/>
-            </a:pPr>
-            <a:r>
-              <a:rPr lang="ko-KR" altLang="en-US" dirty="0" smtClean="0">
-                <a:latin typeface="나눔바른고딕" panose="020B0603020101020101" pitchFamily="50" charset="-127"/>
-                <a:ea typeface="나눔바른고딕" panose="020B0603020101020101" pitchFamily="50" charset="-127"/>
-              </a:rPr>
-              <a:t>내용</a:t>
-            </a:r>
-            <a:endParaRPr lang="en-US" altLang="ko-KR" dirty="0" smtClean="0">
-              <a:latin typeface="나눔바른고딕" panose="020B0603020101020101" pitchFamily="50" charset="-127"/>
-              <a:ea typeface="나눔바른고딕" panose="020B0603020101020101" pitchFamily="50" charset="-127"/>
-            </a:endParaRPr>
-          </a:p>
-        </p:txBody>
-      </p:sp>
-      <p:sp>
-        <p:nvSpPr>
-          <p:cNvPr id="75" name="TextBox 74"/>
-          <p:cNvSpPr txBox="1"/>
-          <p:nvPr/>
-        </p:nvSpPr>
-        <p:spPr>
-          <a:xfrm>
-            <a:off x="6739408" y="3600997"/>
-            <a:ext cx="5357342" cy="461665"/>
-          </a:xfrm>
-          <a:prstGeom prst="rect">
-            <a:avLst/>
-          </a:prstGeom>
-          <a:noFill/>
-        </p:spPr>
-        <p:txBody>
-          <a:bodyPr wrap="square" rtlCol="0">
-            <a:spAutoFit/>
-          </a:bodyPr>
-          <a:lstStyle/>
-          <a:p>
-            <a:r>
-              <a:rPr lang="en-US" altLang="ko-KR" sz="2400" dirty="0" smtClean="0">
-                <a:latin typeface="나눔바른고딕" panose="020B0603020101020101" pitchFamily="50" charset="-127"/>
-                <a:ea typeface="나눔바른고딕" panose="020B0603020101020101" pitchFamily="50" charset="-127"/>
-              </a:rPr>
-              <a:t>AP Agent</a:t>
-            </a:r>
-          </a:p>
-        </p:txBody>
-      </p:sp>
-      <p:sp>
-        <p:nvSpPr>
-          <p:cNvPr id="76" name="TextBox 75"/>
-          <p:cNvSpPr txBox="1"/>
-          <p:nvPr/>
-        </p:nvSpPr>
-        <p:spPr>
-          <a:xfrm>
-            <a:off x="7369478" y="4072964"/>
-            <a:ext cx="4435343" cy="369332"/>
-          </a:xfrm>
-          <a:prstGeom prst="rect">
-            <a:avLst/>
-          </a:prstGeom>
-          <a:noFill/>
-        </p:spPr>
-        <p:txBody>
-          <a:bodyPr wrap="square" rtlCol="0">
-            <a:spAutoFit/>
-          </a:bodyPr>
-          <a:lstStyle/>
-          <a:p>
-            <a:pPr marL="285750" indent="-285750">
-              <a:buFont typeface="Wingdings" panose="05000000000000000000" pitchFamily="2" charset="2"/>
-              <a:buChar char="§"/>
-            </a:pPr>
-            <a:r>
-              <a:rPr lang="ko-KR" altLang="en-US" dirty="0" smtClean="0">
-                <a:latin typeface="나눔바른고딕" panose="020B0603020101020101" pitchFamily="50" charset="-127"/>
-                <a:ea typeface="나눔바른고딕" panose="020B0603020101020101" pitchFamily="50" charset="-127"/>
-              </a:rPr>
-              <a:t>내용</a:t>
-            </a:r>
-            <a:endParaRPr lang="en-US" altLang="ko-KR" dirty="0" smtClean="0">
-              <a:latin typeface="나눔바른고딕" panose="020B0603020101020101" pitchFamily="50" charset="-127"/>
-              <a:ea typeface="나눔바른고딕" panose="020B0603020101020101" pitchFamily="50" charset="-127"/>
-            </a:endParaRPr>
-          </a:p>
-        </p:txBody>
-      </p:sp>
-      <p:sp>
-        <p:nvSpPr>
-          <p:cNvPr id="25" name="TextBox 24"/>
-          <p:cNvSpPr txBox="1"/>
-          <p:nvPr/>
-        </p:nvSpPr>
-        <p:spPr>
-          <a:xfrm>
-            <a:off x="6739408" y="1020858"/>
-            <a:ext cx="5357342" cy="461665"/>
-          </a:xfrm>
-          <a:prstGeom prst="rect">
-            <a:avLst/>
-          </a:prstGeom>
-          <a:noFill/>
-        </p:spPr>
-        <p:txBody>
-          <a:bodyPr wrap="square" rtlCol="0">
-            <a:spAutoFit/>
-          </a:bodyPr>
-          <a:lstStyle/>
-          <a:p>
-            <a:r>
-              <a:rPr lang="en-US" altLang="ko-KR" sz="2400" dirty="0" smtClean="0">
-                <a:latin typeface="나눔바른고딕" panose="020B0603020101020101" pitchFamily="50" charset="-127"/>
-                <a:ea typeface="나눔바른고딕" panose="020B0603020101020101" pitchFamily="50" charset="-127"/>
-              </a:rPr>
-              <a:t>Controller</a:t>
-            </a:r>
-          </a:p>
-        </p:txBody>
-      </p:sp>
-      <p:sp>
-        <p:nvSpPr>
-          <p:cNvPr id="26" name="TextBox 25"/>
-          <p:cNvSpPr txBox="1"/>
-          <p:nvPr/>
-        </p:nvSpPr>
-        <p:spPr>
-          <a:xfrm>
-            <a:off x="7369478" y="1375866"/>
-            <a:ext cx="4435343" cy="646331"/>
-          </a:xfrm>
-          <a:prstGeom prst="rect">
-            <a:avLst/>
-          </a:prstGeom>
-          <a:noFill/>
-        </p:spPr>
-        <p:txBody>
-          <a:bodyPr wrap="square" rtlCol="0">
-            <a:spAutoFit/>
-          </a:bodyPr>
-          <a:lstStyle/>
-          <a:p>
-            <a:pPr marL="285750" indent="-285750">
-              <a:buFont typeface="Wingdings" panose="05000000000000000000" pitchFamily="2" charset="2"/>
-              <a:buChar char="§"/>
-            </a:pPr>
-            <a:r>
-              <a:rPr lang="ko-KR" altLang="en-US" dirty="0" smtClean="0">
-                <a:latin typeface="나눔바른고딕" panose="020B0603020101020101" pitchFamily="50" charset="-127"/>
-                <a:ea typeface="나눔바른고딕" panose="020B0603020101020101" pitchFamily="50" charset="-127"/>
-              </a:rPr>
-              <a:t>내용</a:t>
-            </a:r>
-            <a:endParaRPr lang="en-US" altLang="ko-KR" dirty="0">
-              <a:solidFill>
-                <a:prstClr val="black"/>
-              </a:solidFill>
-              <a:latin typeface="나눔바른고딕" panose="020B0603020101020101" pitchFamily="50" charset="-127"/>
-              <a:ea typeface="나눔바른고딕" panose="020B0603020101020101" pitchFamily="50" charset="-127"/>
-            </a:endParaRPr>
-          </a:p>
-          <a:p>
-            <a:pPr lvl="1"/>
-            <a:endParaRPr lang="en-US" altLang="ko-KR" dirty="0" smtClean="0">
-              <a:latin typeface="나눔바른고딕" panose="020B0603020101020101" pitchFamily="50" charset="-127"/>
-              <a:ea typeface="나눔바른고딕" panose="020B0603020101020101" pitchFamily="50" charset="-127"/>
-              <a:sym typeface="Wingdings" panose="05000000000000000000" pitchFamily="2" charset="2"/>
-            </a:endParaRPr>
-          </a:p>
-        </p:txBody>
-      </p:sp>
       <p:sp>
         <p:nvSpPr>
           <p:cNvPr id="55" name="TextBox 54"/>
@@ -4302,7 +4086,7 @@
         <p:spPr>
           <a:xfrm>
             <a:off x="863600" y="1386052"/>
-            <a:ext cx="4839395" cy="369332"/>
+            <a:ext cx="10833100" cy="1200329"/>
           </a:xfrm>
           <a:prstGeom prst="rect">
             <a:avLst/>
@@ -4324,7 +4108,118 @@
                 <a:latin typeface="나눔바른고딕" panose="020B0603020101020101" pitchFamily="50" charset="-127"/>
                 <a:ea typeface="나눔바른고딕" panose="020B0603020101020101" pitchFamily="50" charset="-127"/>
               </a:rPr>
-              <a:t>목표</a:t>
+              <a:t>다중 무선 네트워크 상에서 </a:t>
+            </a:r>
+            <a:r>
+              <a:rPr lang="en-US" altLang="ko-KR" dirty="0" smtClean="0">
+                <a:latin typeface="나눔바른고딕" panose="020B0603020101020101" pitchFamily="50" charset="-127"/>
+                <a:ea typeface="나눔바른고딕" panose="020B0603020101020101" pitchFamily="50" charset="-127"/>
+              </a:rPr>
+              <a:t>SDN</a:t>
+            </a:r>
+            <a:r>
+              <a:rPr lang="ko-KR" altLang="en-US" dirty="0" smtClean="0">
+                <a:latin typeface="나눔바른고딕" panose="020B0603020101020101" pitchFamily="50" charset="-127"/>
+                <a:ea typeface="나눔바른고딕" panose="020B0603020101020101" pitchFamily="50" charset="-127"/>
+              </a:rPr>
+              <a:t>을 활용하여 클라이언트들이 원하는 </a:t>
+            </a:r>
+            <a:r>
+              <a:rPr lang="en-US" altLang="ko-KR" dirty="0" smtClean="0">
+                <a:latin typeface="나눔바른고딕" panose="020B0603020101020101" pitchFamily="50" charset="-127"/>
+                <a:ea typeface="나눔바른고딕" panose="020B0603020101020101" pitchFamily="50" charset="-127"/>
+              </a:rPr>
+              <a:t>Bitrate</a:t>
+            </a:r>
+            <a:r>
+              <a:rPr lang="ko-KR" altLang="en-US" dirty="0" smtClean="0">
+                <a:latin typeface="나눔바른고딕" panose="020B0603020101020101" pitchFamily="50" charset="-127"/>
+                <a:ea typeface="나눔바른고딕" panose="020B0603020101020101" pitchFamily="50" charset="-127"/>
+              </a:rPr>
+              <a:t>로 스트리밍을 받을 수 있도록 아래 요소들을</a:t>
+            </a:r>
+            <a:r>
+              <a:rPr lang="en-US" altLang="ko-KR" dirty="0" smtClean="0">
+                <a:latin typeface="나눔바른고딕" panose="020B0603020101020101" pitchFamily="50" charset="-127"/>
+                <a:ea typeface="나눔바른고딕" panose="020B0603020101020101" pitchFamily="50" charset="-127"/>
+              </a:rPr>
+              <a:t> </a:t>
+            </a:r>
+            <a:r>
+              <a:rPr lang="ko-KR" altLang="en-US" dirty="0" smtClean="0">
+                <a:latin typeface="나눔바른고딕" panose="020B0603020101020101" pitchFamily="50" charset="-127"/>
+                <a:ea typeface="나눔바른고딕" panose="020B0603020101020101" pitchFamily="50" charset="-127"/>
+              </a:rPr>
+              <a:t>조정</a:t>
+            </a:r>
+            <a:endParaRPr lang="en-US" altLang="ko-KR" dirty="0" smtClean="0">
+              <a:latin typeface="나눔바른고딕" panose="020B0603020101020101" pitchFamily="50" charset="-127"/>
+              <a:ea typeface="나눔바른고딕" panose="020B0603020101020101" pitchFamily="50" charset="-127"/>
+            </a:endParaRPr>
+          </a:p>
+          <a:p>
+            <a:pPr marL="742950" lvl="1" indent="-285750">
+              <a:buFont typeface="Wingdings" panose="05000000000000000000" pitchFamily="2" charset="2"/>
+              <a:buChar char="§"/>
+            </a:pPr>
+            <a:r>
+              <a:rPr lang="en-US" altLang="ko-KR" dirty="0" smtClean="0">
+                <a:latin typeface="나눔바른고딕" panose="020B0603020101020101" pitchFamily="50" charset="-127"/>
+                <a:ea typeface="나눔바른고딕" panose="020B0603020101020101" pitchFamily="50" charset="-127"/>
+              </a:rPr>
+              <a:t>Bitrate </a:t>
+            </a:r>
+            <a:r>
+              <a:rPr lang="ko-KR" altLang="en-US" dirty="0" smtClean="0">
+                <a:latin typeface="나눔바른고딕" panose="020B0603020101020101" pitchFamily="50" charset="-127"/>
+                <a:ea typeface="나눔바른고딕" panose="020B0603020101020101" pitchFamily="50" charset="-127"/>
+              </a:rPr>
+              <a:t>재 조정</a:t>
+            </a:r>
+            <a:endParaRPr lang="en-US" altLang="ko-KR" dirty="0" smtClean="0">
+              <a:latin typeface="나눔바른고딕" panose="020B0603020101020101" pitchFamily="50" charset="-127"/>
+              <a:ea typeface="나눔바른고딕" panose="020B0603020101020101" pitchFamily="50" charset="-127"/>
+            </a:endParaRPr>
+          </a:p>
+          <a:p>
+            <a:pPr marL="742950" lvl="1" indent="-285750">
+              <a:buFont typeface="Wingdings" panose="05000000000000000000" pitchFamily="2" charset="2"/>
+              <a:buChar char="§"/>
+            </a:pPr>
+            <a:r>
+              <a:rPr lang="en-US" altLang="ko-KR" dirty="0" smtClean="0">
+                <a:latin typeface="나눔바른고딕" panose="020B0603020101020101" pitchFamily="50" charset="-127"/>
+                <a:ea typeface="나눔바른고딕" panose="020B0603020101020101" pitchFamily="50" charset="-127"/>
+              </a:rPr>
+              <a:t>Load</a:t>
+            </a:r>
+            <a:r>
+              <a:rPr lang="ko-KR" altLang="en-US" dirty="0" smtClean="0">
+                <a:latin typeface="나눔바른고딕" panose="020B0603020101020101" pitchFamily="50" charset="-127"/>
+                <a:ea typeface="나눔바른고딕" panose="020B0603020101020101" pitchFamily="50" charset="-127"/>
+              </a:rPr>
+              <a:t>가 작은 </a:t>
+            </a:r>
+            <a:r>
+              <a:rPr lang="en-US" altLang="ko-KR" dirty="0" smtClean="0">
+                <a:latin typeface="나눔바른고딕" panose="020B0603020101020101" pitchFamily="50" charset="-127"/>
+                <a:ea typeface="나눔바른고딕" panose="020B0603020101020101" pitchFamily="50" charset="-127"/>
+              </a:rPr>
+              <a:t>AP</a:t>
+            </a:r>
+            <a:r>
+              <a:rPr lang="ko-KR" altLang="en-US" dirty="0" smtClean="0">
+                <a:latin typeface="나눔바른고딕" panose="020B0603020101020101" pitchFamily="50" charset="-127"/>
+                <a:ea typeface="나눔바른고딕" panose="020B0603020101020101" pitchFamily="50" charset="-127"/>
+              </a:rPr>
+              <a:t>로 </a:t>
+            </a:r>
+            <a:r>
+              <a:rPr lang="en-US" altLang="ko-KR" smtClean="0">
+                <a:latin typeface="나눔바른고딕" panose="020B0603020101020101" pitchFamily="50" charset="-127"/>
+                <a:ea typeface="나눔바른고딕" panose="020B0603020101020101" pitchFamily="50" charset="-127"/>
+              </a:rPr>
+              <a:t>Hand over</a:t>
             </a:r>
             <a:endParaRPr lang="en-US" altLang="ko-KR" dirty="0" smtClean="0">
               <a:latin typeface="나눔바른고딕" panose="020B0603020101020101" pitchFamily="50" charset="-127"/>
@@ -4413,24 +4308,14 @@
           </a:lstStyle>
           <a:p>
             <a:r>
-              <a:rPr lang="ko-KR" altLang="en-US" sz="4000" dirty="0">
+              <a:rPr lang="en-US" altLang="ko-KR" sz="4000" dirty="0" smtClean="0">
                 <a:solidFill>
                   <a:srgbClr val="434B56"/>
                 </a:solidFill>
                 <a:latin typeface="나눔바른고딕" panose="020B0603020101020101" pitchFamily="50" charset="-127"/>
                 <a:ea typeface="나눔바른고딕" panose="020B0603020101020101" pitchFamily="50" charset="-127"/>
               </a:rPr>
-              <a:t>전체 </a:t>
-            </a:r>
-            <a:r>
-              <a:rPr lang="ko-KR" altLang="en-US" sz="4000" dirty="0" smtClean="0">
-                <a:solidFill>
-                  <a:srgbClr val="434B56"/>
-                </a:solidFill>
-                <a:latin typeface="나눔바른고딕" panose="020B0603020101020101" pitchFamily="50" charset="-127"/>
-                <a:ea typeface="나눔바른고딕" panose="020B0603020101020101" pitchFamily="50" charset="-127"/>
-              </a:rPr>
-              <a:t>구조도</a:t>
+              <a:t>System Architecture</a:t>
             </a:r>
             <a:endParaRPr lang="ko-KR" altLang="en-US" sz="4000" dirty="0">
               <a:solidFill>
@@ -4621,13 +4506,13 @@
       </p:cxnSp>
       <p:sp>
         <p:nvSpPr>
-          <p:cNvPr id="140" name="TextBox 139"/>
+          <p:cNvPr id="144" name="TextBox 143"/>
           <p:cNvSpPr txBox="1"/>
           <p:nvPr/>
         </p:nvSpPr>
         <p:spPr>
           <a:xfrm>
-            <a:off x="6720358" y="2168417"/>
+            <a:off x="6739408" y="2994064"/>
             <a:ext cx="5357342" cy="461665"/>
           </a:xfrm>
           <a:prstGeom prst="rect">
@@ -4646,21 +4531,32 @@
                 <a:latin typeface="나눔바른고딕" panose="020B0603020101020101" pitchFamily="50" charset="-127"/>
                 <a:ea typeface="나눔바른고딕" panose="020B0603020101020101" pitchFamily="50" charset="-127"/>
               </a:rPr>
-              <a:t>Media Server</a:t>
-            </a:r>
-          </a:p>
-        </p:txBody>
-      </p:sp>
-      <p:sp>
-        <p:nvSpPr>
-          <p:cNvPr id="141" name="TextBox 140"/>
+              <a:t>Proxy </a:t>
+            </a:r>
+            <a:r>
+              <a:rPr lang="en-US" altLang="ko-KR" sz="2400" dirty="0" smtClean="0">
+                <a:latin typeface="나눔바른고딕" panose="020B0603020101020101" pitchFamily="50" charset="-127"/>
+                <a:ea typeface="나눔바른고딕" panose="020B0603020101020101" pitchFamily="50" charset="-127"/>
+              </a:rPr>
+              <a:t>Server(AP)</a:t>
+            </a:r>
+            <a:endParaRPr lang="en-US" altLang="ko-KR" sz="2400" dirty="0" smtClean="0">
+              <a:latin typeface="나눔바른고딕" panose="020B0603020101020101" pitchFamily="50" charset="-127"/>
+              <a:ea typeface="나눔바른고딕" panose="020B0603020101020101" pitchFamily="50" charset="-127"/>
+            </a:endParaRPr>
+          </a:p>
+        </p:txBody>
+      </p:sp>
+      <p:sp>
+        <p:nvSpPr>
+          <p:cNvPr id="145" name="TextBox 144"/>
           <p:cNvSpPr txBox="1"/>
           <p:nvPr/>
         </p:nvSpPr>
         <p:spPr>
           <a:xfrm>
-            <a:off x="7281156" y="2598662"/>
-            <a:ext cx="4348868" cy="369332"/>
+            <a:off x="7300206" y="3424309"/>
+            <a:ext cx="4348868" cy="1477328"/>
           </a:xfrm>
           <a:prstGeom prst="rect">
             <a:avLst/>
@@ -4678,88 +4574,99 @@
               <a:buChar char="§"/>
             </a:pPr>
             <a:r>
+              <a:rPr lang="en-US" altLang="ko-KR" dirty="0" smtClean="0">
+                <a:latin typeface="나눔바른고딕" panose="020B0603020101020101" pitchFamily="50" charset="-127"/>
+                <a:ea typeface="나눔바른고딕" panose="020B0603020101020101" pitchFamily="50" charset="-127"/>
+              </a:rPr>
+              <a:t>DASH Client</a:t>
+            </a:r>
+            <a:r>
               <a:rPr lang="ko-KR" altLang="en-US" dirty="0" smtClean="0">
                 <a:latin typeface="나눔바른고딕" panose="020B0603020101020101" pitchFamily="50" charset="-127"/>
                 <a:ea typeface="나눔바른고딕" panose="020B0603020101020101" pitchFamily="50" charset="-127"/>
               </a:rPr>
-              <a:t>내용</a:t>
+              <a:t>가 스트리밍을 요청할 경우 도중 패킷을 가로채서 </a:t>
+            </a:r>
+            <a:r>
+              <a:rPr lang="en-US" altLang="ko-KR" dirty="0" smtClean="0">
+                <a:latin typeface="나눔바른고딕" panose="020B0603020101020101" pitchFamily="50" charset="-127"/>
+                <a:ea typeface="나눔바른고딕" panose="020B0603020101020101" pitchFamily="50" charset="-127"/>
+              </a:rPr>
+              <a:t>Bitrate </a:t>
+            </a:r>
+            <a:r>
+              <a:rPr lang="ko-KR" altLang="en-US" dirty="0" smtClean="0">
+                <a:latin typeface="나눔바른고딕" panose="020B0603020101020101" pitchFamily="50" charset="-127"/>
+                <a:ea typeface="나눔바른고딕" panose="020B0603020101020101" pitchFamily="50" charset="-127"/>
+              </a:rPr>
+              <a:t>재조정에 활용</a:t>
             </a:r>
             <a:endParaRPr lang="en-US" altLang="ko-KR" dirty="0" smtClean="0">
               <a:latin typeface="나눔바른고딕" panose="020B0603020101020101" pitchFamily="50" charset="-127"/>
               <a:ea typeface="나눔바른고딕" panose="020B0603020101020101" pitchFamily="50" charset="-127"/>
             </a:endParaRPr>
           </a:p>
-        </p:txBody>
-      </p:sp>
-      <p:sp>
-        <p:nvSpPr>
-          <p:cNvPr id="144" name="TextBox 143"/>
-          <p:cNvSpPr txBox="1"/>
-          <p:nvPr/>
-        </p:nvSpPr>
-        <p:spPr>
-          <a:xfrm>
-            <a:off x="6739408" y="3282534"/>
-            <a:ext cx="5357342" cy="461665"/>
-          </a:xfrm>
-          <a:prstGeom prst="rect">
-            <a:avLst/>
-          </a:prstGeom>
-          <a:noFill/>
-        </p:spPr>
-        <p:txBody>
-          <a:bodyPr wrap="square" rtlCol="0">
-            <a:spAutoFit/>
-          </a:bodyPr>
-          <a:lstStyle/>
-          <a:p>
-            <a:r>
-              <a:rPr lang="en-US" altLang="ko-KR" sz="2400" dirty="0" smtClean="0">
-                <a:latin typeface="나눔바른고딕" panose="020B0603020101020101" pitchFamily="50" charset="-127"/>
-                <a:ea typeface="나눔바른고딕" panose="020B0603020101020101" pitchFamily="50" charset="-127"/>
-              </a:rPr>
-              <a:t>Proxy Server</a:t>
-            </a:r>
-          </a:p>
-        </p:txBody>
-      </p:sp>
-      <p:sp>
-        <p:nvSpPr>
-          <p:cNvPr id="145" name="TextBox 144"/>
-          <p:cNvSpPr txBox="1"/>
-          <p:nvPr/>
-        </p:nvSpPr>
-        <p:spPr>
-          <a:xfrm>
-            <a:off x="7300206" y="3712779"/>
-            <a:ext cx="4348868" cy="369332"/>
-          </a:xfrm>
-          <a:prstGeom prst="rect">
-            <a:avLst/>
-          </a:prstGeom>
-          <a:noFill/>
-        </p:spPr>
-        <p:txBody>
-          <a:bodyPr wrap="square" rtlCol="0">
-            <a:spAutoFit/>
-          </a:bodyPr>
-          <a:lstStyle/>
           <a:p>
             <a:pPr marL="285750" indent="-285750">
               <a:buFont typeface="Wingdings" panose="05000000000000000000" pitchFamily="2" charset="2"/>
               <a:buChar char="§"/>
             </a:pPr>
             <a:r>
+              <a:rPr lang="en-US" altLang="ko-KR" dirty="0" smtClean="0">
+                <a:latin typeface="나눔바른고딕" panose="020B0603020101020101" pitchFamily="50" charset="-127"/>
+                <a:ea typeface="나눔바른고딕" panose="020B0603020101020101" pitchFamily="50" charset="-127"/>
+              </a:rPr>
+              <a:t>2</a:t>
+            </a:r>
+            <a:r>
               <a:rPr lang="ko-KR" altLang="en-US" dirty="0" smtClean="0">
                 <a:latin typeface="나눔바른고딕" panose="020B0603020101020101" pitchFamily="50" charset="-127"/>
                 <a:ea typeface="나눔바른고딕" panose="020B0603020101020101" pitchFamily="50" charset="-127"/>
               </a:rPr>
-              <a:t>내용</a:t>
-            </a:r>
-            <a:endParaRPr lang="en-US" altLang="ko-KR" dirty="0" smtClean="0">
-              <a:latin typeface="나눔바른고딕" panose="020B0603020101020101" pitchFamily="50" charset="-127"/>
-              <a:ea typeface="나눔바른고딕" panose="020B0603020101020101" pitchFamily="50" charset="-127"/>
-            </a:endParaRPr>
+              <a:t>초마다 주기적으로 </a:t>
+            </a:r>
+            <a:r>
+              <a:rPr lang="en-US" altLang="ko-KR" dirty="0" smtClean="0">
+                <a:latin typeface="나눔바른고딕" panose="020B0603020101020101" pitchFamily="50" charset="-127"/>
+                <a:ea typeface="나눔바른고딕" panose="020B0603020101020101" pitchFamily="50" charset="-127"/>
+              </a:rPr>
+              <a:t>SDN</a:t>
+            </a:r>
+            <a:r>
+              <a:rPr lang="ko-KR" altLang="en-US" dirty="0" smtClean="0">
+                <a:latin typeface="나눔바른고딕" panose="020B0603020101020101" pitchFamily="50" charset="-127"/>
+                <a:ea typeface="나눔바른고딕" panose="020B0603020101020101" pitchFamily="50" charset="-127"/>
+              </a:rPr>
+              <a:t>에게 </a:t>
+            </a:r>
+            <a:r>
+              <a:rPr lang="en-US" altLang="ko-KR" dirty="0" smtClean="0">
+                <a:latin typeface="나눔바른고딕" panose="020B0603020101020101" pitchFamily="50" charset="-127"/>
+                <a:ea typeface="나눔바른고딕" panose="020B0603020101020101" pitchFamily="50" charset="-127"/>
+              </a:rPr>
+              <a:t>Bitrate </a:t>
+            </a:r>
+            <a:r>
+              <a:rPr lang="ko-KR" altLang="en-US" dirty="0" smtClean="0">
+                <a:latin typeface="나눔바른고딕" panose="020B0603020101020101" pitchFamily="50" charset="-127"/>
+                <a:ea typeface="나눔바른고딕" panose="020B0603020101020101" pitchFamily="50" charset="-127"/>
+              </a:rPr>
+              <a:t>조절을 위한 </a:t>
+            </a:r>
+            <a:r>
+              <a:rPr lang="en-US" altLang="ko-KR" dirty="0" smtClean="0">
+                <a:latin typeface="나눔바른고딕" panose="020B0603020101020101" pitchFamily="50" charset="-127"/>
+                <a:ea typeface="나눔바른고딕" panose="020B0603020101020101" pitchFamily="50" charset="-127"/>
+              </a:rPr>
+              <a:t>RSSI </a:t>
+            </a:r>
+            <a:r>
+              <a:rPr lang="ko-KR" altLang="en-US" dirty="0" smtClean="0">
+                <a:latin typeface="나눔바른고딕" panose="020B0603020101020101" pitchFamily="50" charset="-127"/>
+                <a:ea typeface="나눔바른고딕" panose="020B0603020101020101" pitchFamily="50" charset="-127"/>
+              </a:rPr>
+              <a:t>정보 송신</a:t>
+            </a:r>
           </a:p>
         </p:txBody>
       </p:sp>
@@ -4804,7 +4711,7 @@
         <p:spPr>
           <a:xfrm>
             <a:off x="7369478" y="1508867"/>
-            <a:ext cx="4435343" cy="369332"/>
+            <a:ext cx="4435343" cy="1477328"/>
           </a:xfrm>
           <a:prstGeom prst="rect">
             <a:avLst/>
@@ -4822,11 +4729,94 @@
               <a:buChar char="§"/>
             </a:pPr>
             <a:r>
+              <a:rPr lang="en-US" altLang="ko-KR" dirty="0" smtClean="0">
+                <a:latin typeface="나눔바른고딕" panose="020B0603020101020101" pitchFamily="50" charset="-127"/>
+                <a:ea typeface="나눔바른고딕" panose="020B0603020101020101" pitchFamily="50" charset="-127"/>
+              </a:rPr>
+              <a:t>DASH Client</a:t>
+            </a:r>
+            <a:r>
               <a:rPr lang="ko-KR" altLang="en-US" dirty="0" smtClean="0">
                 <a:latin typeface="나눔바른고딕" panose="020B0603020101020101" pitchFamily="50" charset="-127"/>
                 <a:ea typeface="나눔바른고딕" panose="020B0603020101020101" pitchFamily="50" charset="-127"/>
               </a:rPr>
-              <a:t>내용</a:t>
+              <a:t>와 </a:t>
+            </a:r>
+            <a:r>
+              <a:rPr lang="en-US" altLang="ko-KR" dirty="0" smtClean="0">
+                <a:latin typeface="나눔바른고딕" panose="020B0603020101020101" pitchFamily="50" charset="-127"/>
+                <a:ea typeface="나눔바른고딕" panose="020B0603020101020101" pitchFamily="50" charset="-127"/>
+              </a:rPr>
+              <a:t>Proxy Server</a:t>
+            </a:r>
+            <a:r>
+              <a:rPr lang="ko-KR" altLang="en-US" dirty="0" smtClean="0">
+                <a:latin typeface="나눔바른고딕" panose="020B0603020101020101" pitchFamily="50" charset="-127"/>
+                <a:ea typeface="나눔바른고딕" panose="020B0603020101020101" pitchFamily="50" charset="-127"/>
+              </a:rPr>
+              <a:t>로 부터 </a:t>
+            </a:r>
+            <a:r>
+              <a:rPr lang="en-US" altLang="ko-KR" dirty="0" smtClean="0">
+                <a:latin typeface="나눔바른고딕" panose="020B0603020101020101" pitchFamily="50" charset="-127"/>
+                <a:ea typeface="나눔바른고딕" panose="020B0603020101020101" pitchFamily="50" charset="-127"/>
+              </a:rPr>
+              <a:t>Streaming </a:t>
+            </a:r>
+            <a:r>
+              <a:rPr lang="ko-KR" altLang="en-US" dirty="0" smtClean="0">
+                <a:latin typeface="나눔바른고딕" panose="020B0603020101020101" pitchFamily="50" charset="-127"/>
+                <a:ea typeface="나눔바른고딕" panose="020B0603020101020101" pitchFamily="50" charset="-127"/>
+              </a:rPr>
+              <a:t>조절에 필요한 정보들 수집</a:t>
+            </a:r>
+            <a:r>
+              <a:rPr lang="en-US" altLang="ko-KR" dirty="0" smtClean="0">
+                <a:latin typeface="나눔바른고딕" panose="020B0603020101020101" pitchFamily="50" charset="-127"/>
+                <a:ea typeface="나눔바른고딕" panose="020B0603020101020101" pitchFamily="50" charset="-127"/>
+              </a:rPr>
+              <a:t>(RSSI, Throughput)</a:t>
+            </a:r>
+          </a:p>
+          <a:p>
+            <a:pPr marL="285750" indent="-285750">
+              <a:buFont typeface="Wingdings" panose="05000000000000000000" pitchFamily="2" charset="2"/>
+              <a:buChar char="§"/>
+            </a:pPr>
+            <a:r>
+              <a:rPr lang="ko-KR" altLang="en-US" dirty="0" smtClean="0">
+                <a:latin typeface="나눔바른고딕" panose="020B0603020101020101" pitchFamily="50" charset="-127"/>
+                <a:ea typeface="나눔바른고딕" panose="020B0603020101020101" pitchFamily="50" charset="-127"/>
+              </a:rPr>
+              <a:t>특정 </a:t>
+            </a:r>
+            <a:r>
+              <a:rPr lang="en-US" altLang="ko-KR" dirty="0" smtClean="0">
+                <a:latin typeface="나눔바른고딕" panose="020B0603020101020101" pitchFamily="50" charset="-127"/>
+                <a:ea typeface="나눔바른고딕" panose="020B0603020101020101" pitchFamily="50" charset="-127"/>
+              </a:rPr>
+              <a:t>AP</a:t>
+            </a:r>
+            <a:r>
+              <a:rPr lang="ko-KR" altLang="en-US" dirty="0" smtClean="0">
+                <a:latin typeface="나눔바른고딕" panose="020B0603020101020101" pitchFamily="50" charset="-127"/>
+                <a:ea typeface="나눔바른고딕" panose="020B0603020101020101" pitchFamily="50" charset="-127"/>
+              </a:rPr>
+              <a:t>에 과도한 부하가 걸릴 경우 클라이언트에게 </a:t>
+            </a:r>
+            <a:r>
+              <a:rPr lang="en-US" altLang="ko-KR" dirty="0" smtClean="0">
+                <a:latin typeface="나눔바른고딕" panose="020B0603020101020101" pitchFamily="50" charset="-127"/>
+                <a:ea typeface="나눔바른고딕" panose="020B0603020101020101" pitchFamily="50" charset="-127"/>
+              </a:rPr>
+              <a:t>Handover </a:t>
+            </a:r>
+            <a:r>
+              <a:rPr lang="ko-KR" altLang="en-US" dirty="0" smtClean="0">
+                <a:latin typeface="나눔바른고딕" panose="020B0603020101020101" pitchFamily="50" charset="-127"/>
+                <a:ea typeface="나눔바른고딕" panose="020B0603020101020101" pitchFamily="50" charset="-127"/>
+              </a:rPr>
+              <a:t>명령 지시</a:t>
             </a:r>
             <a:endParaRPr lang="en-US" altLang="ko-KR" dirty="0" smtClean="0">
               <a:latin typeface="나눔바른고딕" panose="020B0603020101020101" pitchFamily="50" charset="-127"/>
@@ -5026,8 +5016,8 @@
         </p:nvGrpSpPr>
         <p:grpSpPr>
           <a:xfrm>
-            <a:off x="3905250" y="3313649"/>
-            <a:ext cx="716842" cy="1002792"/>
+            <a:off x="4126992" y="4562903"/>
+            <a:ext cx="678265" cy="905582"/>
             <a:chOff x="1090105" y="3592107"/>
             <a:chExt cx="945594" cy="1322793"/>
           </a:xfrm>
@@ -5211,23 +5201,359 @@
           </p:txBody>
         </p:sp>
       </p:grpSp>
+      <p:pic>
+        <p:nvPicPr>
+          <p:cNvPr id="16" name="그림 15"/>
+          <p:cNvPicPr>
+            <a:picLocks noChangeAspect="1"/>
+          </p:cNvPicPr>
+          <p:nvPr/>
+        </p:nvPicPr>
+        <p:blipFill>
+          <a:blip r:embed="rId6"/>
+          <a:stretch>
+            <a:fillRect/>
+          </a:stretch>
+        </p:blipFill>
+        <p:spPr>
+          <a:xfrm>
+            <a:off x="1373850" y="5884811"/>
+            <a:ext cx="747953" cy="596551"/>
+          </a:xfrm>
+          <a:prstGeom prst="rect">
+            <a:avLst/>
+          </a:prstGeom>
+        </p:spPr>
+      </p:pic>
+      <p:pic>
+        <p:nvPicPr>
+          <p:cNvPr id="112" name="그림 111"/>
+          <p:cNvPicPr>
+            <a:picLocks noChangeAspect="1"/>
+          </p:cNvPicPr>
+          <p:nvPr/>
+        </p:nvPicPr>
+        <p:blipFill>
+          <a:blip r:embed="rId6"/>
+          <a:stretch>
+            <a:fillRect/>
+          </a:stretch>
+        </p:blipFill>
+        <p:spPr>
+          <a:xfrm>
+            <a:off x="2414800" y="6121919"/>
+            <a:ext cx="747953" cy="596551"/>
+          </a:xfrm>
+          <a:prstGeom prst="rect">
+            <a:avLst/>
+          </a:prstGeom>
+        </p:spPr>
+      </p:pic>
+      <p:pic>
+        <p:nvPicPr>
+          <p:cNvPr id="113" name="그림 112"/>
+          <p:cNvPicPr>
+            <a:picLocks noChangeAspect="1"/>
+          </p:cNvPicPr>
+          <p:nvPr/>
+        </p:nvPicPr>
+        <p:blipFill>
+          <a:blip r:embed="rId6"/>
+          <a:stretch>
+            <a:fillRect/>
+          </a:stretch>
+        </p:blipFill>
+        <p:spPr>
+          <a:xfrm>
+            <a:off x="3505653" y="5799048"/>
+            <a:ext cx="747953" cy="596551"/>
+          </a:xfrm>
+          <a:prstGeom prst="rect">
+            <a:avLst/>
+          </a:prstGeom>
+        </p:spPr>
+      </p:pic>
+      <p:pic>
+        <p:nvPicPr>
+          <p:cNvPr id="39" name="그림 38"/>
+          <p:cNvPicPr>
+            <a:picLocks noChangeAspect="1"/>
+          </p:cNvPicPr>
+          <p:nvPr/>
+        </p:nvPicPr>
+        <p:blipFill>
+          <a:blip r:embed="rId7"/>
+          <a:stretch>
+            <a:fillRect/>
+          </a:stretch>
+        </p:blipFill>
+        <p:spPr>
+          <a:xfrm rot="5400000">
+            <a:off x="2765225" y="5831294"/>
+            <a:ext cx="349939" cy="114679"/>
+          </a:xfrm>
+          <a:prstGeom prst="rect">
+            <a:avLst/>
+          </a:prstGeom>
+        </p:spPr>
+      </p:pic>
+      <p:pic>
+        <p:nvPicPr>
+          <p:cNvPr id="4" name="그림 3"/>
+          <p:cNvPicPr>
+            <a:picLocks noChangeAspect="1"/>
+          </p:cNvPicPr>
+          <p:nvPr/>
+        </p:nvPicPr>
+        <p:blipFill>
+          <a:blip r:embed="rId8"/>
+          <a:stretch>
+            <a:fillRect/>
+          </a:stretch>
+        </p:blipFill>
+        <p:spPr>
+          <a:xfrm>
+            <a:off x="5084636" y="2109031"/>
+            <a:ext cx="689004" cy="864755"/>
+          </a:xfrm>
+          <a:prstGeom prst="rect">
+            <a:avLst/>
+          </a:prstGeom>
+        </p:spPr>
+      </p:pic>
+      <p:sp>
+        <p:nvSpPr>
+          <p:cNvPr id="42" name="TextBox 41"/>
+          <p:cNvSpPr txBox="1"/>
+          <p:nvPr/>
+        </p:nvSpPr>
+        <p:spPr>
+          <a:xfrm>
+            <a:off x="6739408" y="4871397"/>
+            <a:ext cx="5357342" cy="461665"/>
+          </a:xfrm>
+          <a:prstGeom prst="rect">
+            <a:avLst/>
+          </a:prstGeom>
+          <a:noFill/>
+        </p:spPr>
+        <p:txBody>
+          <a:bodyPr wrap="square" rtlCol="0">
+            <a:spAutoFit/>
+          </a:bodyPr>
+          <a:lstStyle/>
+          <a:p>
+            <a:r>
+              <a:rPr lang="en-US" altLang="ko-KR" sz="2400" dirty="0" smtClean="0">
+                <a:latin typeface="나눔바른고딕" panose="020B0603020101020101" pitchFamily="50" charset="-127"/>
+                <a:ea typeface="나눔바른고딕" panose="020B0603020101020101" pitchFamily="50" charset="-127"/>
+              </a:rPr>
+              <a:t>DASH Client</a:t>
+            </a:r>
+          </a:p>
+        </p:txBody>
+      </p:sp>
+      <p:sp>
+        <p:nvSpPr>
+          <p:cNvPr id="43" name="TextBox 42"/>
+          <p:cNvSpPr txBox="1"/>
+          <p:nvPr/>
+        </p:nvSpPr>
+        <p:spPr>
+          <a:xfrm>
+            <a:off x="7300206" y="5301642"/>
+            <a:ext cx="4348868" cy="1477328"/>
+          </a:xfrm>
+          <a:prstGeom prst="rect">
+            <a:avLst/>
+          </a:prstGeom>
+          <a:noFill/>
+        </p:spPr>
+        <p:txBody>
+          <a:bodyPr wrap="square" rtlCol="0">
+            <a:spAutoFit/>
+          </a:bodyPr>
+          <a:lstStyle/>
+          <a:p>
+            <a:pPr marL="285750" indent="-285750">
+              <a:buFont typeface="Wingdings" panose="05000000000000000000" pitchFamily="2" charset="2"/>
+              <a:buChar char="§"/>
+            </a:pPr>
+            <a:r>
+              <a:rPr lang="en-US" altLang="ko-KR" dirty="0" smtClean="0">
+                <a:latin typeface="나눔바른고딕" panose="020B0603020101020101" pitchFamily="50" charset="-127"/>
+                <a:ea typeface="나눔바른고딕" panose="020B0603020101020101" pitchFamily="50" charset="-127"/>
+              </a:rPr>
+              <a:t>2</a:t>
+            </a:r>
+            <a:r>
+              <a:rPr lang="ko-KR" altLang="en-US" dirty="0" smtClean="0">
+                <a:latin typeface="나눔바른고딕" panose="020B0603020101020101" pitchFamily="50" charset="-127"/>
+                <a:ea typeface="나눔바른고딕" panose="020B0603020101020101" pitchFamily="50" charset="-127"/>
+              </a:rPr>
+              <a:t>초마다 주기적으로 </a:t>
+            </a:r>
+            <a:r>
+              <a:rPr lang="en-US" altLang="ko-KR" dirty="0" smtClean="0">
+                <a:latin typeface="나눔바른고딕" panose="020B0603020101020101" pitchFamily="50" charset="-127"/>
+                <a:ea typeface="나눔바른고딕" panose="020B0603020101020101" pitchFamily="50" charset="-127"/>
+              </a:rPr>
+              <a:t>SDN</a:t>
+            </a:r>
+            <a:r>
+              <a:rPr lang="ko-KR" altLang="en-US" dirty="0" smtClean="0">
+                <a:latin typeface="나눔바른고딕" panose="020B0603020101020101" pitchFamily="50" charset="-127"/>
+                <a:ea typeface="나눔바른고딕" panose="020B0603020101020101" pitchFamily="50" charset="-127"/>
+              </a:rPr>
+              <a:t>에게 </a:t>
+            </a:r>
+            <a:r>
+              <a:rPr lang="en-US" altLang="ko-KR" dirty="0" smtClean="0">
+                <a:latin typeface="나눔바른고딕" panose="020B0603020101020101" pitchFamily="50" charset="-127"/>
+                <a:ea typeface="나눔바른고딕" panose="020B0603020101020101" pitchFamily="50" charset="-127"/>
+              </a:rPr>
+              <a:t>Bitrate </a:t>
+            </a:r>
+            <a:r>
+              <a:rPr lang="ko-KR" altLang="en-US" dirty="0" smtClean="0">
+                <a:latin typeface="나눔바른고딕" panose="020B0603020101020101" pitchFamily="50" charset="-127"/>
+                <a:ea typeface="나눔바른고딕" panose="020B0603020101020101" pitchFamily="50" charset="-127"/>
+              </a:rPr>
+              <a:t>조절을 위한 정보들 송신</a:t>
+            </a:r>
+            <a:r>
+              <a:rPr lang="en-US" altLang="ko-KR" dirty="0" smtClean="0">
+                <a:latin typeface="나눔바른고딕" panose="020B0603020101020101" pitchFamily="50" charset="-127"/>
+                <a:ea typeface="나눔바른고딕" panose="020B0603020101020101" pitchFamily="50" charset="-127"/>
+              </a:rPr>
+              <a:t>(RSSI, Throughput) </a:t>
+            </a:r>
+          </a:p>
+          <a:p>
+            <a:pPr marL="285750" indent="-285750">
+              <a:buFont typeface="Wingdings" panose="05000000000000000000" pitchFamily="2" charset="2"/>
+              <a:buChar char="§"/>
+            </a:pPr>
+            <a:r>
+              <a:rPr lang="en-US" altLang="ko-KR" dirty="0" smtClean="0">
+                <a:latin typeface="나눔바른고딕" panose="020B0603020101020101" pitchFamily="50" charset="-127"/>
+                <a:ea typeface="나눔바른고딕" panose="020B0603020101020101" pitchFamily="50" charset="-127"/>
+              </a:rPr>
+              <a:t>SDN Application</a:t>
+            </a:r>
+            <a:r>
+              <a:rPr lang="ko-KR" altLang="en-US" dirty="0" smtClean="0">
+                <a:latin typeface="나눔바른고딕" panose="020B0603020101020101" pitchFamily="50" charset="-127"/>
+                <a:ea typeface="나눔바른고딕" panose="020B0603020101020101" pitchFamily="50" charset="-127"/>
+              </a:rPr>
+              <a:t>에 의한 </a:t>
+            </a:r>
+            <a:r>
+              <a:rPr lang="en-US" altLang="ko-KR" dirty="0" smtClean="0">
+                <a:latin typeface="나눔바른고딕" panose="020B0603020101020101" pitchFamily="50" charset="-127"/>
+                <a:ea typeface="나눔바른고딕" panose="020B0603020101020101" pitchFamily="50" charset="-127"/>
+              </a:rPr>
+              <a:t>Hand over </a:t>
+            </a:r>
+            <a:r>
+              <a:rPr lang="ko-KR" altLang="en-US" dirty="0" smtClean="0">
+                <a:latin typeface="나눔바른고딕" panose="020B0603020101020101" pitchFamily="50" charset="-127"/>
+                <a:ea typeface="나눔바른고딕" panose="020B0603020101020101" pitchFamily="50" charset="-127"/>
+              </a:rPr>
+              <a:t>수행</a:t>
+            </a:r>
+            <a:endParaRPr lang="en-US" altLang="ko-KR" dirty="0" smtClean="0">
+              <a:latin typeface="나눔바른고딕" panose="020B0603020101020101" pitchFamily="50" charset="-127"/>
+              <a:ea typeface="나눔바른고딕" panose="020B0603020101020101" pitchFamily="50" charset="-127"/>
+            </a:endParaRPr>
+          </a:p>
+        </p:txBody>
+      </p:sp>
+      <p:sp>
+        <p:nvSpPr>
+          <p:cNvPr id="5" name="구름 4"/>
+          <p:cNvSpPr/>
+          <p:nvPr/>
+        </p:nvSpPr>
+        <p:spPr>
+          <a:xfrm>
+            <a:off x="1706781" y="3511570"/>
+            <a:ext cx="2397076" cy="1242201"/>
+          </a:xfrm>
+          <a:prstGeom prst="cloud">
+            <a:avLst/>
+          </a:prstGeom>
+          <a:noFill/>
+          <a:ln>
+            <a:prstDash val="dash"/>
+          </a:ln>
+        </p:spPr>
+        <p:style>
+          <a:lnRef idx="2">
+            <a:schemeClr val="accent1">
+              <a:shade val="50000"/>
+            </a:schemeClr>
+          </a:lnRef>
+          <a:fillRef idx="1">
+            <a:schemeClr val="accent1"/>
+          </a:fillRef>
+          <a:effectRef idx="0">
+            <a:schemeClr val="accent1"/>
+          </a:effectRef>
+          <a:fontRef idx="minor">
+            <a:schemeClr val="lt1"/>
+          </a:fontRef>
+        </p:style>
+        <p:txBody>
+          <a:bodyPr rtlCol="0" anchor="ctr"/>
+          <a:lstStyle/>
+          <a:p>
+            <a:pPr algn="ctr"/>
+            <a:endParaRPr lang="ko-KR" altLang="en-US"/>
+          </a:p>
+        </p:txBody>
+      </p:sp>
+      <p:pic>
+        <p:nvPicPr>
+          <p:cNvPr id="8" name="그림 7"/>
+          <p:cNvPicPr>
+            <a:picLocks noChangeAspect="1"/>
+          </p:cNvPicPr>
+          <p:nvPr/>
+        </p:nvPicPr>
+        <p:blipFill>
+          <a:blip r:embed="rId9"/>
+          <a:stretch>
+            <a:fillRect/>
+          </a:stretch>
+        </p:blipFill>
+        <p:spPr>
+          <a:xfrm>
+            <a:off x="2717927" y="4263664"/>
+            <a:ext cx="444826" cy="441316"/>
+          </a:xfrm>
+          <a:prstGeom prst="rect">
+            <a:avLst/>
+          </a:prstGeom>
+        </p:spPr>
+      </p:pic>
       <p:grpSp>
         <p:nvGrpSpPr>
-          <p:cNvPr id="105" name="그룹 104"/>
+          <p:cNvPr id="44" name="그룹 43"/>
           <p:cNvGrpSpPr/>
           <p:nvPr/>
         </p:nvGrpSpPr>
         <p:grpSpPr>
           <a:xfrm>
-            <a:off x="1206952" y="3313649"/>
-            <a:ext cx="716842" cy="1002792"/>
+            <a:off x="2589033" y="4798137"/>
+            <a:ext cx="678265" cy="905582"/>
             <a:chOff x="1090105" y="3592107"/>
             <a:chExt cx="945594" cy="1322793"/>
           </a:xfrm>
         </p:grpSpPr>
         <p:pic>
           <p:nvPicPr>
-            <p:cNvPr id="106" name="Picture 4" descr="Raspberry Pi logo"/>
+            <p:cNvPr id="45" name="Picture 4" descr="Raspberry Pi logo"/>
             <p:cNvPicPr>
               <a:picLocks noChangeAspect="1" noChangeArrowheads="1"/>
             </p:cNvPicPr>
@@ -5268,7 +5594,7 @@
         </p:pic>
         <p:pic>
           <p:nvPicPr>
-            <p:cNvPr id="108" name="Picture 6" descr="https://www.konyvtar.elte.hu/sites/default/files/styles/szolgaltataskep_300x500/public/wifi.png?itok=Pi1VuKJ1"/>
+            <p:cNvPr id="46" name="Picture 6" descr="https://www.konyvtar.elte.hu/sites/default/files/styles/szolgaltataskep_300x500/public/wifi.png?itok=Pi1VuKJ1"/>
             <p:cNvPicPr>
               <a:picLocks noChangeAspect="1" noChangeArrowheads="1"/>
             </p:cNvPicPr>
@@ -5310,21 +5636,21 @@
       </p:grpSp>
       <p:grpSp>
         <p:nvGrpSpPr>
-          <p:cNvPr id="109" name="그룹 108"/>
+          <p:cNvPr id="47" name="그룹 46"/>
           <p:cNvGrpSpPr/>
           <p:nvPr/>
         </p:nvGrpSpPr>
         <p:grpSpPr>
           <a:xfrm>
-            <a:off x="2566709" y="4044099"/>
-            <a:ext cx="716842" cy="1002792"/>
+            <a:off x="1095176" y="4597897"/>
+            <a:ext cx="678265" cy="905582"/>
             <a:chOff x="1090105" y="3592107"/>
             <a:chExt cx="945594" cy="1322793"/>
           </a:xfrm>
         </p:grpSpPr>
         <p:pic>
           <p:nvPicPr>
-            <p:cNvPr id="110" name="Picture 4" descr="Raspberry Pi logo"/>
+            <p:cNvPr id="48" name="Picture 4" descr="Raspberry Pi logo"/>
             <p:cNvPicPr>
               <a:picLocks noChangeAspect="1" noChangeArrowheads="1"/>
             </p:cNvPicPr>
@@ -5365,7 +5691,7 @@
         </p:pic>
         <p:pic>
           <p:nvPicPr>
-            <p:cNvPr id="111" name="Picture 6" descr="https://www.konyvtar.elte.hu/sites/default/files/styles/szolgaltataskep_300x500/public/wifi.png?itok=Pi1VuKJ1"/>
+            <p:cNvPr id="49" name="Picture 6" descr="https://www.konyvtar.elte.hu/sites/default/files/styles/szolgaltataskep_300x500/public/wifi.png?itok=Pi1VuKJ1"/>
             <p:cNvPicPr>
               <a:picLocks noChangeAspect="1" noChangeArrowheads="1"/>
             </p:cNvPicPr>
@@ -5407,6 +5733,1163 @@
       </p:grpSp>
       <p:pic>
         <p:nvPicPr>
+          <p:cNvPr id="50" name="그림 49"/>
+          <p:cNvPicPr>
+            <a:picLocks noChangeAspect="1"/>
+          </p:cNvPicPr>
+          <p:nvPr/>
+        </p:nvPicPr>
+        <p:blipFill>
+          <a:blip r:embed="rId9"/>
+          <a:stretch>
+            <a:fillRect/>
+          </a:stretch>
+        </p:blipFill>
+        <p:spPr>
+          <a:xfrm>
+            <a:off x="3421328" y="3789367"/>
+            <a:ext cx="444826" cy="441316"/>
+          </a:xfrm>
+          <a:prstGeom prst="rect">
+            <a:avLst/>
+          </a:prstGeom>
+        </p:spPr>
+      </p:pic>
+      <p:pic>
+        <p:nvPicPr>
+          <p:cNvPr id="51" name="그림 50"/>
+          <p:cNvPicPr>
+            <a:picLocks noChangeAspect="1"/>
+          </p:cNvPicPr>
+          <p:nvPr/>
+        </p:nvPicPr>
+        <p:blipFill>
+          <a:blip r:embed="rId9"/>
+          <a:stretch>
+            <a:fillRect/>
+          </a:stretch>
+        </p:blipFill>
+        <p:spPr>
+          <a:xfrm>
+            <a:off x="2020719" y="3796138"/>
+            <a:ext cx="444826" cy="441316"/>
+          </a:xfrm>
+          <a:prstGeom prst="rect">
+            <a:avLst/>
+          </a:prstGeom>
+        </p:spPr>
+      </p:pic>
+      <p:cxnSp>
+        <p:nvCxnSpPr>
+          <p:cNvPr id="10" name="직선 연결선 9"/>
+          <p:cNvCxnSpPr>
+            <a:stCxn id="51" idx="3"/>
+            <a:endCxn id="50" idx="1"/>
+          </p:cNvCxnSpPr>
+          <p:nvPr/>
+        </p:nvCxnSpPr>
+        <p:spPr>
+          <a:xfrm flipV="1">
+            <a:off x="2465545" y="4010025"/>
+            <a:ext cx="955783" cy="6771"/>
+          </a:xfrm>
+          <a:prstGeom prst="line">
+            <a:avLst/>
+          </a:prstGeom>
+        </p:spPr>
+        <p:style>
+          <a:lnRef idx="1">
+            <a:schemeClr val="dk1"/>
+          </a:lnRef>
+          <a:fillRef idx="0">
+            <a:schemeClr val="dk1"/>
+          </a:fillRef>
+          <a:effectRef idx="0">
+            <a:schemeClr val="dk1"/>
+          </a:effectRef>
+          <a:fontRef idx="minor">
+            <a:schemeClr val="tx1"/>
+          </a:fontRef>
+        </p:style>
+      </p:cxnSp>
+      <p:cxnSp>
+        <p:nvCxnSpPr>
+          <p:cNvPr id="19" name="직선 연결선 18"/>
+          <p:cNvCxnSpPr>
+            <a:stCxn id="51" idx="2"/>
+            <a:endCxn id="8" idx="1"/>
+          </p:cNvCxnSpPr>
+          <p:nvPr/>
+        </p:nvCxnSpPr>
+        <p:spPr>
+          <a:xfrm>
+            <a:off x="2243132" y="4237454"/>
+            <a:ext cx="474795" cy="246868"/>
+          </a:xfrm>
+          <a:prstGeom prst="line">
+            <a:avLst/>
+          </a:prstGeom>
+        </p:spPr>
+        <p:style>
+          <a:lnRef idx="1">
+            <a:schemeClr val="dk1"/>
+          </a:lnRef>
+          <a:fillRef idx="0">
+            <a:schemeClr val="dk1"/>
+          </a:fillRef>
+          <a:effectRef idx="0">
+            <a:schemeClr val="dk1"/>
+          </a:effectRef>
+          <a:fontRef idx="minor">
+            <a:schemeClr val="tx1"/>
+          </a:fontRef>
+        </p:style>
+      </p:cxnSp>
+      <p:cxnSp>
+        <p:nvCxnSpPr>
+          <p:cNvPr id="21" name="직선 연결선 20"/>
+          <p:cNvCxnSpPr>
+            <a:stCxn id="8" idx="3"/>
+            <a:endCxn id="50" idx="2"/>
+          </p:cNvCxnSpPr>
+          <p:nvPr/>
+        </p:nvCxnSpPr>
+        <p:spPr>
+          <a:xfrm flipV="1">
+            <a:off x="3162753" y="4230683"/>
+            <a:ext cx="480988" cy="253639"/>
+          </a:xfrm>
+          <a:prstGeom prst="line">
+            <a:avLst/>
+          </a:prstGeom>
+        </p:spPr>
+        <p:style>
+          <a:lnRef idx="1">
+            <a:schemeClr val="dk1"/>
+          </a:lnRef>
+          <a:fillRef idx="0">
+            <a:schemeClr val="dk1"/>
+          </a:fillRef>
+          <a:effectRef idx="0">
+            <a:schemeClr val="dk1"/>
+          </a:effectRef>
+          <a:fontRef idx="minor">
+            <a:schemeClr val="tx1"/>
+          </a:fontRef>
+        </p:style>
+      </p:cxnSp>
+      <p:cxnSp>
+        <p:nvCxnSpPr>
+          <p:cNvPr id="23" name="직선 연결선 22"/>
+          <p:cNvCxnSpPr>
+            <a:stCxn id="8" idx="2"/>
+            <a:endCxn id="46" idx="0"/>
+          </p:cNvCxnSpPr>
+          <p:nvPr/>
+        </p:nvCxnSpPr>
+        <p:spPr>
+          <a:xfrm flipH="1">
+            <a:off x="2940195" y="4704980"/>
+            <a:ext cx="145" cy="93157"/>
+          </a:xfrm>
+          <a:prstGeom prst="line">
+            <a:avLst/>
+          </a:prstGeom>
+        </p:spPr>
+        <p:style>
+          <a:lnRef idx="1">
+            <a:schemeClr val="dk1"/>
+          </a:lnRef>
+          <a:fillRef idx="0">
+            <a:schemeClr val="dk1"/>
+          </a:fillRef>
+          <a:effectRef idx="0">
+            <a:schemeClr val="dk1"/>
+          </a:effectRef>
+          <a:fontRef idx="minor">
+            <a:schemeClr val="tx1"/>
+          </a:fontRef>
+        </p:style>
+      </p:cxnSp>
+      <p:cxnSp>
+        <p:nvCxnSpPr>
+          <p:cNvPr id="25" name="직선 연결선 24"/>
+          <p:cNvCxnSpPr>
+            <a:stCxn id="51" idx="1"/>
+            <a:endCxn id="49" idx="0"/>
+          </p:cNvCxnSpPr>
+          <p:nvPr/>
+        </p:nvCxnSpPr>
+        <p:spPr>
+          <a:xfrm flipH="1">
+            <a:off x="1446338" y="4016796"/>
+            <a:ext cx="574381" cy="581101"/>
+          </a:xfrm>
+          <a:prstGeom prst="line">
+            <a:avLst/>
+          </a:prstGeom>
+        </p:spPr>
+        <p:style>
+          <a:lnRef idx="1">
+            <a:schemeClr val="dk1"/>
+          </a:lnRef>
+          <a:fillRef idx="0">
+            <a:schemeClr val="dk1"/>
+          </a:fillRef>
+          <a:effectRef idx="0">
+            <a:schemeClr val="dk1"/>
+          </a:effectRef>
+          <a:fontRef idx="minor">
+            <a:schemeClr val="tx1"/>
+          </a:fontRef>
+        </p:style>
+      </p:cxnSp>
+      <p:cxnSp>
+        <p:nvCxnSpPr>
+          <p:cNvPr id="27" name="직선 연결선 26"/>
+          <p:cNvCxnSpPr>
+            <a:stCxn id="50" idx="3"/>
+            <a:endCxn id="93" idx="0"/>
+          </p:cNvCxnSpPr>
+          <p:nvPr/>
+        </p:nvCxnSpPr>
+        <p:spPr>
+          <a:xfrm>
+            <a:off x="3866154" y="4010025"/>
+            <a:ext cx="612000" cy="552878"/>
+          </a:xfrm>
+          <a:prstGeom prst="line">
+            <a:avLst/>
+          </a:prstGeom>
+        </p:spPr>
+        <p:style>
+          <a:lnRef idx="1">
+            <a:schemeClr val="dk1"/>
+          </a:lnRef>
+          <a:fillRef idx="0">
+            <a:schemeClr val="dk1"/>
+          </a:fillRef>
+          <a:effectRef idx="0">
+            <a:schemeClr val="dk1"/>
+          </a:effectRef>
+          <a:fontRef idx="minor">
+            <a:schemeClr val="tx1"/>
+          </a:fontRef>
+        </p:style>
+      </p:cxnSp>
+      <p:pic>
+        <p:nvPicPr>
+          <p:cNvPr id="73" name="그림 72"/>
+          <p:cNvPicPr>
+            <a:picLocks noChangeAspect="1"/>
+          </p:cNvPicPr>
+          <p:nvPr/>
+        </p:nvPicPr>
+        <p:blipFill>
+          <a:blip r:embed="rId7"/>
+          <a:stretch>
+            <a:fillRect/>
+          </a:stretch>
+        </p:blipFill>
+        <p:spPr>
+          <a:xfrm rot="3227283">
+            <a:off x="3287853" y="5691232"/>
+            <a:ext cx="349939" cy="114679"/>
+          </a:xfrm>
+          <a:prstGeom prst="rect">
+            <a:avLst/>
+          </a:prstGeom>
+        </p:spPr>
+      </p:pic>
+      <p:pic>
+        <p:nvPicPr>
+          <p:cNvPr id="74" name="그림 73"/>
+          <p:cNvPicPr>
+            <a:picLocks noChangeAspect="1"/>
+          </p:cNvPicPr>
+          <p:nvPr/>
+        </p:nvPicPr>
+        <p:blipFill>
+          <a:blip r:embed="rId7"/>
+          <a:stretch>
+            <a:fillRect/>
+          </a:stretch>
+        </p:blipFill>
+        <p:spPr>
+          <a:xfrm rot="18372717" flipH="1">
+            <a:off x="2154564" y="5680433"/>
+            <a:ext cx="349939" cy="114679"/>
+          </a:xfrm>
+          <a:prstGeom prst="rect">
+            <a:avLst/>
+          </a:prstGeom>
+        </p:spPr>
+      </p:pic>
+      <p:sp>
+        <p:nvSpPr>
+          <p:cNvPr id="28" name="위쪽 화살표 27"/>
+          <p:cNvSpPr/>
+          <p:nvPr/>
+        </p:nvSpPr>
+        <p:spPr>
+          <a:xfrm>
+            <a:off x="2551438" y="3153606"/>
+            <a:ext cx="238762" cy="266700"/>
+          </a:xfrm>
+          <a:prstGeom prst="upArrow">
+            <a:avLst/>
+          </a:prstGeom>
+        </p:spPr>
+        <p:style>
+          <a:lnRef idx="2">
+            <a:schemeClr val="accent1">
+              <a:shade val="50000"/>
+            </a:schemeClr>
+          </a:lnRef>
+          <a:fillRef idx="1">
+            <a:schemeClr val="accent1"/>
+          </a:fillRef>
+          <a:effectRef idx="0">
+            <a:schemeClr val="accent1"/>
+          </a:effectRef>
+          <a:fontRef idx="minor">
+            <a:schemeClr val="lt1"/>
+          </a:fontRef>
+        </p:style>
+        <p:txBody>
+          <a:bodyPr rtlCol="0" anchor="ctr"/>
+          <a:lstStyle/>
+          <a:p>
+            <a:pPr algn="ctr"/>
+            <a:endParaRPr lang="ko-KR" altLang="en-US"/>
+          </a:p>
+        </p:txBody>
+      </p:sp>
+      <p:sp>
+        <p:nvSpPr>
+          <p:cNvPr id="77" name="위쪽 화살표 76"/>
+          <p:cNvSpPr/>
+          <p:nvPr/>
+        </p:nvSpPr>
+        <p:spPr>
+          <a:xfrm flipV="1">
+            <a:off x="3074429" y="3172483"/>
+            <a:ext cx="238762" cy="266700"/>
+          </a:xfrm>
+          <a:prstGeom prst="upArrow">
+            <a:avLst/>
+          </a:prstGeom>
+        </p:spPr>
+        <p:style>
+          <a:lnRef idx="2">
+            <a:schemeClr val="accent1">
+              <a:shade val="50000"/>
+            </a:schemeClr>
+          </a:lnRef>
+          <a:fillRef idx="1">
+            <a:schemeClr val="accent1"/>
+          </a:fillRef>
+          <a:effectRef idx="0">
+            <a:schemeClr val="accent1"/>
+          </a:effectRef>
+          <a:fontRef idx="minor">
+            <a:schemeClr val="lt1"/>
+          </a:fontRef>
+        </p:style>
+        <p:txBody>
+          <a:bodyPr rtlCol="0" anchor="ctr"/>
+          <a:lstStyle/>
+          <a:p>
+            <a:pPr algn="ctr"/>
+            <a:endParaRPr lang="ko-KR" altLang="en-US"/>
+          </a:p>
+        </p:txBody>
+      </p:sp>
+    </p:spTree>
+    <p:extLst>
+      <p:ext uri="{BB962C8B-B14F-4D97-AF65-F5344CB8AC3E}">
+        <p14:creationId xmlns:p14="http://schemas.microsoft.com/office/powerpoint/2010/main" val="546211916"/>
+      </p:ext>
+    </p:extLst>
+  </p:cSld>
+  <p:clrMapOvr>
+    <a:masterClrMapping/>
+  </p:clrMapOvr>
+  <p:timing>
+    <p:tnLst>
+      <p:par>
+        <p:cTn id="1" dur="indefinite" restart="never" nodeType="tmRoot"/>
+      </p:par>
+    </p:tnLst>
+  </p:timing>
+</p:sld>
+</file>
+
+<file path=ppt/slides/slide4.xml><?xml version="1.0" encoding="utf-8"?>
+<p:sld xmlns:a="http://schemas.openxmlformats.org/drawingml/2006/main" xmlns:r="http://schemas.openxmlformats.org/officeDocument/2006/relationships" xmlns:p="http://schemas.openxmlformats.org/presentationml/2006/main">
+  <p:cSld>
+    <p:spTree>
+      <p:nvGrpSpPr>
+        <p:cNvPr id="1" name=""/>
+        <p:cNvGrpSpPr/>
+        <p:nvPr/>
+      </p:nvGrpSpPr>
+      <p:grpSpPr>
+        <a:xfrm>
+          <a:off x="0" y="0"/>
+          <a:ext cx="0" cy="0"/>
+          <a:chOff x="0" y="0"/>
+          <a:chExt cx="0" cy="0"/>
+        </a:xfrm>
+      </p:grpSpPr>
+      <p:sp>
+        <p:nvSpPr>
+          <p:cNvPr id="6" name="제목 1"/>
+          <p:cNvSpPr txBox="1">
+            <a:spLocks/>
+          </p:cNvSpPr>
+          <p:nvPr/>
+        </p:nvSpPr>
+        <p:spPr>
+          <a:xfrm>
+            <a:off x="525685" y="0"/>
+            <a:ext cx="5202016" cy="936132"/>
+          </a:xfrm>
+          <a:prstGeom prst="rect">
+            <a:avLst/>
+          </a:prstGeom>
+          <a:noFill/>
+        </p:spPr>
+        <p:txBody>
+          <a:bodyPr vert="horz" lIns="91440" tIns="45720" rIns="91440" bIns="45720" rtlCol="0" anchor="b">
+            <a:normAutofit/>
+          </a:bodyPr>
+          <a:lstStyle>
+            <a:lvl1pPr algn="ctr" defTabSz="914400" rtl="0" eaLnBrk="1" latinLnBrk="1" hangingPunct="1">
+              <a:lnSpc>
+                <a:spcPct val="90000"/>
+              </a:lnSpc>
+              <a:spcBef>
+                <a:spcPct val="0"/>
+              </a:spcBef>
+              <a:buNone/>
+              <a:defRPr sz="6000" kern="1200">
+                <a:solidFill>
+                  <a:schemeClr val="tx1"/>
+                </a:solidFill>
+                <a:latin typeface="+mj-lt"/>
+                <a:ea typeface="+mj-ea"/>
+                <a:cs typeface="+mj-cs"/>
+              </a:defRPr>
+            </a:lvl1pPr>
+          </a:lstStyle>
+          <a:p>
+            <a:r>
+              <a:rPr lang="en-US" altLang="ko-KR" sz="4000" dirty="0" smtClean="0">
+                <a:solidFill>
+                  <a:srgbClr val="434B56"/>
+                </a:solidFill>
+                <a:latin typeface="나눔바른고딕" panose="020B0603020101020101" pitchFamily="50" charset="-127"/>
+                <a:ea typeface="나눔바른고딕" panose="020B0603020101020101" pitchFamily="50" charset="-127"/>
+              </a:rPr>
+              <a:t>System Architecture</a:t>
+            </a:r>
+            <a:endParaRPr lang="ko-KR" altLang="en-US" sz="4000" dirty="0">
+              <a:solidFill>
+                <a:srgbClr val="434B56"/>
+              </a:solidFill>
+              <a:latin typeface="나눔바른고딕" panose="020B0603020101020101" pitchFamily="50" charset="-127"/>
+              <a:ea typeface="나눔바른고딕" panose="020B0603020101020101" pitchFamily="50" charset="-127"/>
+            </a:endParaRPr>
+          </a:p>
+        </p:txBody>
+      </p:sp>
+      <p:cxnSp>
+        <p:nvCxnSpPr>
+          <p:cNvPr id="90" name="직선 연결선 89"/>
+          <p:cNvCxnSpPr/>
+          <p:nvPr/>
+        </p:nvCxnSpPr>
+        <p:spPr>
+          <a:xfrm flipV="1">
+            <a:off x="229507" y="942975"/>
+            <a:ext cx="5866493" cy="10886"/>
+          </a:xfrm>
+          <a:prstGeom prst="line">
+            <a:avLst/>
+          </a:prstGeom>
+          <a:ln>
+            <a:solidFill>
+              <a:schemeClr val="tx2">
+                <a:lumMod val="50000"/>
+                <a:alpha val="50000"/>
+              </a:schemeClr>
+            </a:solidFill>
+          </a:ln>
+        </p:spPr>
+        <p:style>
+          <a:lnRef idx="1">
+            <a:schemeClr val="accent1"/>
+          </a:lnRef>
+          <a:fillRef idx="0">
+            <a:schemeClr val="accent1"/>
+          </a:fillRef>
+          <a:effectRef idx="0">
+            <a:schemeClr val="accent1"/>
+          </a:effectRef>
+          <a:fontRef idx="minor">
+            <a:schemeClr val="tx1"/>
+          </a:fontRef>
+        </p:style>
+      </p:cxnSp>
+      <p:cxnSp>
+        <p:nvCxnSpPr>
+          <p:cNvPr id="92" name="직선 연결선 91"/>
+          <p:cNvCxnSpPr/>
+          <p:nvPr/>
+        </p:nvCxnSpPr>
+        <p:spPr>
+          <a:xfrm>
+            <a:off x="6438900" y="352425"/>
+            <a:ext cx="1" cy="6210300"/>
+          </a:xfrm>
+          <a:prstGeom prst="line">
+            <a:avLst/>
+          </a:prstGeom>
+          <a:ln>
+            <a:solidFill>
+              <a:schemeClr val="tx2">
+                <a:lumMod val="50000"/>
+                <a:alpha val="50000"/>
+              </a:schemeClr>
+            </a:solidFill>
+            <a:prstDash val="lgDashDotDot"/>
+          </a:ln>
+        </p:spPr>
+        <p:style>
+          <a:lnRef idx="1">
+            <a:schemeClr val="accent1"/>
+          </a:lnRef>
+          <a:fillRef idx="0">
+            <a:schemeClr val="accent1"/>
+          </a:fillRef>
+          <a:effectRef idx="0">
+            <a:schemeClr val="accent1"/>
+          </a:effectRef>
+          <a:fontRef idx="minor">
+            <a:schemeClr val="tx1"/>
+          </a:fontRef>
+        </p:style>
+      </p:cxnSp>
+      <p:sp>
+        <p:nvSpPr>
+          <p:cNvPr id="121" name="제목 1"/>
+          <p:cNvSpPr txBox="1">
+            <a:spLocks/>
+          </p:cNvSpPr>
+          <p:nvPr/>
+        </p:nvSpPr>
+        <p:spPr>
+          <a:xfrm>
+            <a:off x="6678835" y="0"/>
+            <a:ext cx="5202016" cy="936132"/>
+          </a:xfrm>
+          <a:prstGeom prst="rect">
+            <a:avLst/>
+          </a:prstGeom>
+          <a:noFill/>
+        </p:spPr>
+        <p:txBody>
+          <a:bodyPr vert="horz" lIns="91440" tIns="45720" rIns="91440" bIns="45720" rtlCol="0" anchor="b">
+            <a:normAutofit/>
+          </a:bodyPr>
+          <a:lstStyle>
+            <a:lvl1pPr algn="ctr" defTabSz="914400" rtl="0" eaLnBrk="1" latinLnBrk="1" hangingPunct="1">
+              <a:lnSpc>
+                <a:spcPct val="90000"/>
+              </a:lnSpc>
+              <a:spcBef>
+                <a:spcPct val="0"/>
+              </a:spcBef>
+              <a:buNone/>
+              <a:defRPr sz="6000" kern="1200">
+                <a:solidFill>
+                  <a:schemeClr val="tx1"/>
+                </a:solidFill>
+                <a:latin typeface="+mj-lt"/>
+                <a:ea typeface="+mj-ea"/>
+                <a:cs typeface="+mj-cs"/>
+              </a:defRPr>
+            </a:lvl1pPr>
+          </a:lstStyle>
+          <a:p>
+            <a:r>
+              <a:rPr lang="ko-KR" altLang="en-US" sz="4000" dirty="0" smtClean="0">
+                <a:solidFill>
+                  <a:srgbClr val="434B56"/>
+                </a:solidFill>
+                <a:latin typeface="나눔바른고딕" panose="020B0603020101020101" pitchFamily="50" charset="-127"/>
+                <a:ea typeface="나눔바른고딕" panose="020B0603020101020101" pitchFamily="50" charset="-127"/>
+              </a:rPr>
+              <a:t>연구원 개발 내용</a:t>
+            </a:r>
+            <a:endParaRPr lang="ko-KR" altLang="en-US" sz="4000" dirty="0">
+              <a:solidFill>
+                <a:srgbClr val="434B56"/>
+              </a:solidFill>
+              <a:latin typeface="나눔바른고딕" panose="020B0603020101020101" pitchFamily="50" charset="-127"/>
+              <a:ea typeface="나눔바른고딕" panose="020B0603020101020101" pitchFamily="50" charset="-127"/>
+            </a:endParaRPr>
+          </a:p>
+        </p:txBody>
+      </p:sp>
+      <p:cxnSp>
+        <p:nvCxnSpPr>
+          <p:cNvPr id="124" name="직선 연결선 123"/>
+          <p:cNvCxnSpPr/>
+          <p:nvPr/>
+        </p:nvCxnSpPr>
+        <p:spPr>
+          <a:xfrm flipV="1">
+            <a:off x="6725557" y="901787"/>
+            <a:ext cx="5237843" cy="10886"/>
+          </a:xfrm>
+          <a:prstGeom prst="line">
+            <a:avLst/>
+          </a:prstGeom>
+          <a:ln>
+            <a:solidFill>
+              <a:schemeClr val="tx2">
+                <a:lumMod val="50000"/>
+                <a:alpha val="50000"/>
+              </a:schemeClr>
+            </a:solidFill>
+          </a:ln>
+        </p:spPr>
+        <p:style>
+          <a:lnRef idx="1">
+            <a:schemeClr val="accent1"/>
+          </a:lnRef>
+          <a:fillRef idx="0">
+            <a:schemeClr val="accent1"/>
+          </a:fillRef>
+          <a:effectRef idx="0">
+            <a:schemeClr val="accent1"/>
+          </a:effectRef>
+          <a:fontRef idx="minor">
+            <a:schemeClr val="tx1"/>
+          </a:fontRef>
+        </p:style>
+      </p:cxnSp>
+      <p:sp>
+        <p:nvSpPr>
+          <p:cNvPr id="75" name="TextBox 74"/>
+          <p:cNvSpPr txBox="1"/>
+          <p:nvPr/>
+        </p:nvSpPr>
+        <p:spPr>
+          <a:xfrm>
+            <a:off x="6739408" y="1020858"/>
+            <a:ext cx="5357342" cy="461665"/>
+          </a:xfrm>
+          <a:prstGeom prst="rect">
+            <a:avLst/>
+          </a:prstGeom>
+          <a:noFill/>
+        </p:spPr>
+        <p:txBody>
+          <a:bodyPr wrap="square" rtlCol="0">
+            <a:spAutoFit/>
+          </a:bodyPr>
+          <a:lstStyle/>
+          <a:p>
+            <a:r>
+              <a:rPr lang="en-US" altLang="ko-KR" sz="2400" dirty="0" smtClean="0">
+                <a:latin typeface="나눔바른고딕" panose="020B0603020101020101" pitchFamily="50" charset="-127"/>
+                <a:ea typeface="나눔바른고딕" panose="020B0603020101020101" pitchFamily="50" charset="-127"/>
+              </a:rPr>
+              <a:t>SDN Application</a:t>
+            </a:r>
+          </a:p>
+        </p:txBody>
+      </p:sp>
+      <p:sp>
+        <p:nvSpPr>
+          <p:cNvPr id="76" name="TextBox 75"/>
+          <p:cNvSpPr txBox="1"/>
+          <p:nvPr/>
+        </p:nvSpPr>
+        <p:spPr>
+          <a:xfrm>
+            <a:off x="7369478" y="1508867"/>
+            <a:ext cx="4435343" cy="1200329"/>
+          </a:xfrm>
+          <a:prstGeom prst="rect">
+            <a:avLst/>
+          </a:prstGeom>
+          <a:noFill/>
+        </p:spPr>
+        <p:txBody>
+          <a:bodyPr wrap="square" rtlCol="0">
+            <a:spAutoFit/>
+          </a:bodyPr>
+          <a:lstStyle/>
+          <a:p>
+            <a:pPr marL="285750" indent="-285750">
+              <a:buFont typeface="Wingdings" panose="05000000000000000000" pitchFamily="2" charset="2"/>
+              <a:buChar char="§"/>
+            </a:pPr>
+            <a:r>
+              <a:rPr lang="en-US" altLang="ko-KR" dirty="0" smtClean="0">
+                <a:latin typeface="나눔바른고딕" panose="020B0603020101020101" pitchFamily="50" charset="-127"/>
+                <a:ea typeface="나눔바른고딕" panose="020B0603020101020101" pitchFamily="50" charset="-127"/>
+              </a:rPr>
+              <a:t>ARIMA </a:t>
+            </a:r>
+            <a:r>
+              <a:rPr lang="ko-KR" altLang="en-US" dirty="0" smtClean="0">
+                <a:latin typeface="나눔바른고딕" panose="020B0603020101020101" pitchFamily="50" charset="-127"/>
+                <a:ea typeface="나눔바른고딕" panose="020B0603020101020101" pitchFamily="50" charset="-127"/>
+              </a:rPr>
+              <a:t>모델을 활용하여 </a:t>
+            </a:r>
+            <a:r>
+              <a:rPr lang="en-US" altLang="ko-KR" dirty="0" smtClean="0">
+                <a:latin typeface="나눔바른고딕" panose="020B0603020101020101" pitchFamily="50" charset="-127"/>
+                <a:ea typeface="나눔바른고딕" panose="020B0603020101020101" pitchFamily="50" charset="-127"/>
+              </a:rPr>
+              <a:t>Bandwidth</a:t>
+            </a:r>
+            <a:r>
+              <a:rPr lang="ko-KR" altLang="en-US" dirty="0" smtClean="0">
+                <a:latin typeface="나눔바른고딕" panose="020B0603020101020101" pitchFamily="50" charset="-127"/>
+                <a:ea typeface="나눔바른고딕" panose="020B0603020101020101" pitchFamily="50" charset="-127"/>
+              </a:rPr>
+              <a:t>를 추정</a:t>
+            </a:r>
+            <a:endParaRPr lang="en-US" altLang="ko-KR" dirty="0" smtClean="0">
+              <a:latin typeface="나눔바른고딕" panose="020B0603020101020101" pitchFamily="50" charset="-127"/>
+              <a:ea typeface="나눔바른고딕" panose="020B0603020101020101" pitchFamily="50" charset="-127"/>
+            </a:endParaRPr>
+          </a:p>
+          <a:p>
+            <a:pPr marL="285750" indent="-285750">
+              <a:buFont typeface="Wingdings" panose="05000000000000000000" pitchFamily="2" charset="2"/>
+              <a:buChar char="§"/>
+            </a:pPr>
+            <a:r>
+              <a:rPr lang="en-US" altLang="ko-KR" dirty="0" smtClean="0">
+                <a:latin typeface="나눔바른고딕" panose="020B0603020101020101" pitchFamily="50" charset="-127"/>
+                <a:ea typeface="나눔바른고딕" panose="020B0603020101020101" pitchFamily="50" charset="-127"/>
+              </a:rPr>
+              <a:t>Bitrate </a:t>
+            </a:r>
+            <a:r>
+              <a:rPr lang="ko-KR" altLang="en-US" dirty="0" smtClean="0">
+                <a:latin typeface="나눔바른고딕" panose="020B0603020101020101" pitchFamily="50" charset="-127"/>
+                <a:ea typeface="나눔바른고딕" panose="020B0603020101020101" pitchFamily="50" charset="-127"/>
+              </a:rPr>
+              <a:t>재 조정</a:t>
+            </a:r>
+            <a:r>
+              <a:rPr lang="en-US" altLang="ko-KR" dirty="0" smtClean="0">
+                <a:latin typeface="나눔바른고딕" panose="020B0603020101020101" pitchFamily="50" charset="-127"/>
+                <a:ea typeface="나눔바른고딕" panose="020B0603020101020101" pitchFamily="50" charset="-127"/>
+              </a:rPr>
+              <a:t>, Handover</a:t>
+            </a:r>
+            <a:r>
+              <a:rPr lang="ko-KR" altLang="en-US" dirty="0" smtClean="0">
+                <a:latin typeface="나눔바른고딕" panose="020B0603020101020101" pitchFamily="50" charset="-127"/>
+                <a:ea typeface="나눔바른고딕" panose="020B0603020101020101" pitchFamily="50" charset="-127"/>
+              </a:rPr>
+              <a:t>에 대한 구체적인 알고리즘 개발</a:t>
+            </a:r>
+            <a:endParaRPr lang="en-US" altLang="ko-KR" dirty="0" smtClean="0">
+              <a:latin typeface="나눔바른고딕" panose="020B0603020101020101" pitchFamily="50" charset="-127"/>
+              <a:ea typeface="나눔바른고딕" panose="020B0603020101020101" pitchFamily="50" charset="-127"/>
+            </a:endParaRPr>
+          </a:p>
+        </p:txBody>
+      </p:sp>
+      <p:pic>
+        <p:nvPicPr>
+          <p:cNvPr id="1026" name="Picture 2" descr="onosì ëí ì´ë¯¸ì§ ê²ìê²°ê³¼"/>
+          <p:cNvPicPr>
+            <a:picLocks noChangeAspect="1" noChangeArrowheads="1"/>
+          </p:cNvPicPr>
+          <p:nvPr/>
+        </p:nvPicPr>
+        <p:blipFill>
+          <a:blip r:embed="rId3" cstate="print">
+            <a:extLst>
+              <a:ext uri="{28A0092B-C50C-407E-A947-70E740481C1C}">
+                <a14:useLocalDpi xmlns:a14="http://schemas.microsoft.com/office/drawing/2010/main" val="0"/>
+              </a:ext>
+            </a:extLst>
+          </a:blip>
+          <a:srcRect/>
+          <a:stretch>
+            <a:fillRect/>
+          </a:stretch>
+        </p:blipFill>
+        <p:spPr bwMode="auto">
+          <a:xfrm>
+            <a:off x="2399907" y="2238049"/>
+            <a:ext cx="1097381" cy="772381"/>
+          </a:xfrm>
+          <a:prstGeom prst="rect">
+            <a:avLst/>
+          </a:prstGeom>
+          <a:noFill/>
+          <a:extLst>
+            <a:ext uri="{909E8E84-426E-40DD-AFC4-6F175D3DCCD1}">
+              <a14:hiddenFill xmlns:a14="http://schemas.microsoft.com/office/drawing/2010/main">
+                <a:solidFill>
+                  <a:srgbClr val="FFFFFF"/>
+                </a:solidFill>
+              </a14:hiddenFill>
+            </a:ext>
+          </a:extLst>
+        </p:spPr>
+      </p:pic>
+      <p:sp>
+        <p:nvSpPr>
+          <p:cNvPr id="2" name="직사각형 1"/>
+          <p:cNvSpPr/>
+          <p:nvPr/>
+        </p:nvSpPr>
+        <p:spPr>
+          <a:xfrm>
+            <a:off x="1945695" y="1099381"/>
+            <a:ext cx="1959555" cy="1983436"/>
+          </a:xfrm>
+          <a:prstGeom prst="rect">
+            <a:avLst/>
+          </a:prstGeom>
+          <a:noFill/>
+          <a:ln>
+            <a:solidFill>
+              <a:schemeClr val="tx1"/>
+            </a:solidFill>
+          </a:ln>
+        </p:spPr>
+        <p:style>
+          <a:lnRef idx="2">
+            <a:schemeClr val="accent1">
+              <a:shade val="50000"/>
+            </a:schemeClr>
+          </a:lnRef>
+          <a:fillRef idx="1">
+            <a:schemeClr val="accent1"/>
+          </a:fillRef>
+          <a:effectRef idx="0">
+            <a:schemeClr val="accent1"/>
+          </a:effectRef>
+          <a:fontRef idx="minor">
+            <a:schemeClr val="lt1"/>
+          </a:fontRef>
+        </p:style>
+        <p:txBody>
+          <a:bodyPr rtlCol="0" anchor="ctr"/>
+          <a:lstStyle/>
+          <a:p>
+            <a:pPr algn="ctr"/>
+            <a:endParaRPr lang="ko-KR" altLang="en-US"/>
+          </a:p>
+        </p:txBody>
+      </p:sp>
+      <p:grpSp>
+        <p:nvGrpSpPr>
+          <p:cNvPr id="85" name="그룹 84"/>
+          <p:cNvGrpSpPr/>
+          <p:nvPr/>
+        </p:nvGrpSpPr>
+        <p:grpSpPr>
+          <a:xfrm>
+            <a:off x="2020364" y="1205510"/>
+            <a:ext cx="1809532" cy="433138"/>
+            <a:chOff x="1666875" y="3552825"/>
+            <a:chExt cx="2924175" cy="655651"/>
+          </a:xfrm>
+        </p:grpSpPr>
+        <p:sp>
+          <p:nvSpPr>
+            <p:cNvPr id="86" name="모서리가 둥근 직사각형 85"/>
+            <p:cNvSpPr/>
+            <p:nvPr/>
+          </p:nvSpPr>
+          <p:spPr>
+            <a:xfrm>
+              <a:off x="1666875" y="3552825"/>
+              <a:ext cx="2924175" cy="655651"/>
+            </a:xfrm>
+            <a:prstGeom prst="roundRect">
+              <a:avLst/>
+            </a:prstGeom>
+            <a:solidFill>
+              <a:schemeClr val="bg2">
+                <a:lumMod val="75000"/>
+              </a:schemeClr>
+            </a:solidFill>
+            <a:ln>
+              <a:solidFill>
+                <a:schemeClr val="tx1"/>
+              </a:solidFill>
+            </a:ln>
+          </p:spPr>
+          <p:style>
+            <a:lnRef idx="2">
+              <a:schemeClr val="accent1">
+                <a:shade val="50000"/>
+              </a:schemeClr>
+            </a:lnRef>
+            <a:fillRef idx="1">
+              <a:schemeClr val="accent1"/>
+            </a:fillRef>
+            <a:effectRef idx="0">
+              <a:schemeClr val="accent1"/>
+            </a:effectRef>
+            <a:fontRef idx="minor">
+              <a:schemeClr val="lt1"/>
+            </a:fontRef>
+          </p:style>
+          <p:txBody>
+            <a:bodyPr rtlCol="0" anchor="ctr"/>
+            <a:lstStyle/>
+            <a:p>
+              <a:pPr algn="ctr"/>
+              <a:endParaRPr lang="ko-KR" altLang="en-US"/>
+            </a:p>
+          </p:txBody>
+        </p:sp>
+        <p:sp>
+          <p:nvSpPr>
+            <p:cNvPr id="87" name="TextBox 86"/>
+            <p:cNvSpPr txBox="1"/>
+            <p:nvPr/>
+          </p:nvSpPr>
+          <p:spPr>
+            <a:xfrm>
+              <a:off x="1904428" y="3667147"/>
+              <a:ext cx="2474376" cy="465889"/>
+            </a:xfrm>
+            <a:prstGeom prst="rect">
+              <a:avLst/>
+            </a:prstGeom>
+            <a:noFill/>
+          </p:spPr>
+          <p:txBody>
+            <a:bodyPr wrap="none" rtlCol="0">
+              <a:spAutoFit/>
+            </a:bodyPr>
+            <a:lstStyle/>
+            <a:p>
+              <a:pPr algn="ctr"/>
+              <a:r>
+                <a:rPr lang="en-US" altLang="ko-KR" sz="1400" dirty="0" smtClean="0"/>
+                <a:t>SDN Application</a:t>
+              </a:r>
+              <a:endParaRPr lang="ko-KR" altLang="en-US" sz="1400" dirty="0"/>
+            </a:p>
+          </p:txBody>
+        </p:sp>
+      </p:grpSp>
+      <p:grpSp>
+        <p:nvGrpSpPr>
+          <p:cNvPr id="88" name="그룹 87"/>
+          <p:cNvGrpSpPr/>
+          <p:nvPr/>
+        </p:nvGrpSpPr>
+        <p:grpSpPr>
+          <a:xfrm>
+            <a:off x="4126992" y="4562903"/>
+            <a:ext cx="678265" cy="905582"/>
+            <a:chOff x="1090105" y="3592107"/>
+            <a:chExt cx="945594" cy="1322793"/>
+          </a:xfrm>
+        </p:grpSpPr>
+        <p:pic>
+          <p:nvPicPr>
+            <p:cNvPr id="89" name="Picture 4" descr="Raspberry Pi logo"/>
+            <p:cNvPicPr>
+              <a:picLocks noChangeAspect="1" noChangeArrowheads="1"/>
+            </p:cNvPicPr>
+            <p:nvPr/>
+          </p:nvPicPr>
+          <p:blipFill>
+            <a:blip r:embed="rId4" cstate="print">
+              <a:extLst>
+                <a:ext uri="{28A0092B-C50C-407E-A947-70E740481C1C}">
+                  <a14:useLocalDpi xmlns:a14="http://schemas.microsoft.com/office/drawing/2010/main" val="0"/>
+                </a:ext>
+              </a:extLst>
+            </a:blip>
+            <a:srcRect/>
+            <a:stretch>
+              <a:fillRect/>
+            </a:stretch>
+          </p:blipFill>
+          <p:spPr bwMode="auto">
+            <a:xfrm>
+              <a:off x="1090105" y="3984197"/>
+              <a:ext cx="945594" cy="930703"/>
+            </a:xfrm>
+            <a:prstGeom prst="rect">
+              <a:avLst/>
+            </a:prstGeom>
+            <a:noFill/>
+            <a:extLst>
+              <a:ext uri="{909E8E84-426E-40DD-AFC4-6F175D3DCCD1}">
+                <a14:hiddenFill xmlns:a14="http://schemas.microsoft.com/office/drawing/2010/main">
+                  <a:solidFill>
+                    <a:srgbClr val="FFFFFF"/>
+                  </a:solidFill>
+                </a14:hiddenFill>
+              </a:ext>
+            </a:extLst>
+          </p:spPr>
+        </p:pic>
+        <p:pic>
+          <p:nvPicPr>
+            <p:cNvPr id="93" name="Picture 6" descr="https://www.konyvtar.elte.hu/sites/default/files/styles/szolgaltataskep_300x500/public/wifi.png?itok=Pi1VuKJ1"/>
+            <p:cNvPicPr>
+              <a:picLocks noChangeAspect="1" noChangeArrowheads="1"/>
+            </p:cNvPicPr>
+            <p:nvPr/>
+          </p:nvPicPr>
+          <p:blipFill>
+            <a:blip r:embed="rId5" cstate="print">
+              <a:extLst>
+                <a:ext uri="{28A0092B-C50C-407E-A947-70E740481C1C}">
+                  <a14:useLocalDpi xmlns:a14="http://schemas.microsoft.com/office/drawing/2010/main" val="0"/>
+                </a:ext>
+              </a:extLst>
+            </a:blip>
+            <a:srcRect/>
+            <a:stretch>
+              <a:fillRect/>
+            </a:stretch>
+          </p:blipFill>
+          <p:spPr bwMode="auto">
+            <a:xfrm>
+              <a:off x="1204126" y="3592107"/>
+              <a:ext cx="751094" cy="500729"/>
+            </a:xfrm>
+            <a:prstGeom prst="rect">
+              <a:avLst/>
+            </a:prstGeom>
+            <a:noFill/>
+            <a:extLst>
+              <a:ext uri="{909E8E84-426E-40DD-AFC4-6F175D3DCCD1}">
+                <a14:hiddenFill xmlns:a14="http://schemas.microsoft.com/office/drawing/2010/main">
+                  <a:solidFill>
+                    <a:srgbClr val="FFFFFF"/>
+                  </a:solidFill>
+                </a14:hiddenFill>
+              </a:ext>
+            </a:extLst>
+          </p:spPr>
+        </p:pic>
+      </p:grpSp>
+      <p:grpSp>
+        <p:nvGrpSpPr>
+          <p:cNvPr id="97" name="그룹 96"/>
+          <p:cNvGrpSpPr/>
+          <p:nvPr/>
+        </p:nvGrpSpPr>
+        <p:grpSpPr>
+          <a:xfrm>
+            <a:off x="2020364" y="1718475"/>
+            <a:ext cx="1809532" cy="433138"/>
+            <a:chOff x="1666875" y="3552825"/>
+            <a:chExt cx="2924175" cy="655651"/>
+          </a:xfrm>
+        </p:grpSpPr>
+        <p:sp>
+          <p:nvSpPr>
+            <p:cNvPr id="102" name="모서리가 둥근 직사각형 101"/>
+            <p:cNvSpPr/>
+            <p:nvPr/>
+          </p:nvSpPr>
+          <p:spPr>
+            <a:xfrm>
+              <a:off x="1666875" y="3552825"/>
+              <a:ext cx="2924175" cy="655651"/>
+            </a:xfrm>
+            <a:prstGeom prst="roundRect">
+              <a:avLst/>
+            </a:prstGeom>
+            <a:solidFill>
+              <a:schemeClr val="bg2">
+                <a:lumMod val="75000"/>
+              </a:schemeClr>
+            </a:solidFill>
+            <a:ln>
+              <a:solidFill>
+                <a:schemeClr val="tx1"/>
+              </a:solidFill>
+            </a:ln>
+          </p:spPr>
+          <p:style>
+            <a:lnRef idx="2">
+              <a:schemeClr val="accent1">
+                <a:shade val="50000"/>
+              </a:schemeClr>
+            </a:lnRef>
+            <a:fillRef idx="1">
+              <a:schemeClr val="accent1"/>
+            </a:fillRef>
+            <a:effectRef idx="0">
+              <a:schemeClr val="accent1"/>
+            </a:effectRef>
+            <a:fontRef idx="minor">
+              <a:schemeClr val="lt1"/>
+            </a:fontRef>
+          </p:style>
+          <p:txBody>
+            <a:bodyPr rtlCol="0" anchor="ctr"/>
+            <a:lstStyle/>
+            <a:p>
+              <a:pPr algn="ctr"/>
+              <a:endParaRPr lang="ko-KR" altLang="en-US"/>
+            </a:p>
+          </p:txBody>
+        </p:sp>
+        <p:sp>
+          <p:nvSpPr>
+            <p:cNvPr id="103" name="TextBox 102"/>
+            <p:cNvSpPr txBox="1"/>
+            <p:nvPr/>
+          </p:nvSpPr>
+          <p:spPr>
+            <a:xfrm>
+              <a:off x="1995873" y="3667147"/>
+              <a:ext cx="2291493" cy="465889"/>
+            </a:xfrm>
+            <a:prstGeom prst="rect">
+              <a:avLst/>
+            </a:prstGeom>
+            <a:noFill/>
+          </p:spPr>
+          <p:txBody>
+            <a:bodyPr wrap="none" rtlCol="0">
+              <a:spAutoFit/>
+            </a:bodyPr>
+            <a:lstStyle/>
+            <a:p>
+              <a:pPr algn="ctr"/>
+              <a:r>
+                <a:rPr lang="en-US" altLang="ko-KR" sz="1400" dirty="0" smtClean="0"/>
+                <a:t>SDN Controller</a:t>
+              </a:r>
+              <a:endParaRPr lang="ko-KR" altLang="en-US" sz="1400" dirty="0"/>
+            </a:p>
+          </p:txBody>
+        </p:sp>
+      </p:grpSp>
+      <p:pic>
+        <p:nvPicPr>
           <p:cNvPr id="16" name="그림 15"/>
           <p:cNvPicPr>
             <a:picLocks noChangeAspect="1"/>
@@ -5421,7 +6904,7 @@
         </p:blipFill>
         <p:spPr>
           <a:xfrm>
-            <a:off x="673079" y="5121731"/>
+            <a:off x="1373850" y="5884811"/>
             <a:ext cx="747953" cy="596551"/>
           </a:xfrm>
           <a:prstGeom prst="rect">
@@ -5469,56 +6952,8 @@
         </p:blipFill>
         <p:spPr>
           <a:xfrm>
-            <a:off x="4360426" y="5033007"/>
+            <a:off x="3505653" y="5799048"/>
             <a:ext cx="747953" cy="596551"/>
-          </a:xfrm>
-          <a:prstGeom prst="rect">
-            <a:avLst/>
-          </a:prstGeom>
-        </p:spPr>
-      </p:pic>
-      <p:pic>
-        <p:nvPicPr>
-          <p:cNvPr id="3" name="그림 2"/>
-          <p:cNvPicPr>
-            <a:picLocks noChangeAspect="1"/>
-          </p:cNvPicPr>
-          <p:nvPr/>
-        </p:nvPicPr>
-        <p:blipFill>
-          <a:blip r:embed="rId7"/>
-          <a:stretch>
-            <a:fillRect/>
-          </a:stretch>
-        </p:blipFill>
-        <p:spPr>
-          <a:xfrm rot="2066522">
-            <a:off x="3246698" y="5024163"/>
-            <a:ext cx="993799" cy="125841"/>
-          </a:xfrm>
-          <a:prstGeom prst="rect">
-            <a:avLst/>
-          </a:prstGeom>
-        </p:spPr>
-      </p:pic>
-      <p:pic>
-        <p:nvPicPr>
-          <p:cNvPr id="38" name="그림 37"/>
-          <p:cNvPicPr>
-            <a:picLocks noChangeAspect="1"/>
-          </p:cNvPicPr>
-          <p:nvPr/>
-        </p:nvPicPr>
-        <p:blipFill>
-          <a:blip r:embed="rId7"/>
-          <a:stretch>
-            <a:fillRect/>
-          </a:stretch>
-        </p:blipFill>
-        <p:spPr>
-          <a:xfrm rot="9043252">
-            <a:off x="1514221" y="5074242"/>
-            <a:ext cx="993799" cy="125841"/>
           </a:xfrm>
           <a:prstGeom prst="rect">
             <a:avLst/>
@@ -5541,8 +6976,8 @@
         </p:blipFill>
         <p:spPr>
           <a:xfrm rot="5400000">
-            <a:off x="2451697" y="5521062"/>
-            <a:ext cx="993799" cy="125841"/>
+            <a:off x="2765225" y="5831294"/>
+            <a:ext cx="349939" cy="114679"/>
           </a:xfrm>
           <a:prstGeom prst="rect">
             <a:avLst/>
@@ -5575,80 +7010,644 @@
       </p:pic>
       <p:sp>
         <p:nvSpPr>
-          <p:cNvPr id="42" name="TextBox 41"/>
-          <p:cNvSpPr txBox="1"/>
+          <p:cNvPr id="5" name="구름 4"/>
+          <p:cNvSpPr/>
           <p:nvPr/>
         </p:nvSpPr>
         <p:spPr>
           <a:xfrm>
-            <a:off x="6739408" y="4492209"/>
-            <a:ext cx="5357342" cy="461665"/>
+            <a:off x="1706781" y="3511570"/>
+            <a:ext cx="2397076" cy="1242201"/>
+          </a:xfrm>
+          <a:prstGeom prst="cloud">
+            <a:avLst/>
+          </a:prstGeom>
+          <a:noFill/>
+          <a:ln>
+            <a:prstDash val="dash"/>
+          </a:ln>
+        </p:spPr>
+        <p:style>
+          <a:lnRef idx="2">
+            <a:schemeClr val="accent1">
+              <a:shade val="50000"/>
+            </a:schemeClr>
+          </a:lnRef>
+          <a:fillRef idx="1">
+            <a:schemeClr val="accent1"/>
+          </a:fillRef>
+          <a:effectRef idx="0">
+            <a:schemeClr val="accent1"/>
+          </a:effectRef>
+          <a:fontRef idx="minor">
+            <a:schemeClr val="lt1"/>
+          </a:fontRef>
+        </p:style>
+        <p:txBody>
+          <a:bodyPr rtlCol="0" anchor="ctr"/>
+          <a:lstStyle/>
+          <a:p>
+            <a:pPr algn="ctr"/>
+            <a:endParaRPr lang="ko-KR" altLang="en-US"/>
+          </a:p>
+        </p:txBody>
+      </p:sp>
+      <p:pic>
+        <p:nvPicPr>
+          <p:cNvPr id="8" name="그림 7"/>
+          <p:cNvPicPr>
+            <a:picLocks noChangeAspect="1"/>
+          </p:cNvPicPr>
+          <p:nvPr/>
+        </p:nvPicPr>
+        <p:blipFill>
+          <a:blip r:embed="rId9"/>
+          <a:stretch>
+            <a:fillRect/>
+          </a:stretch>
+        </p:blipFill>
+        <p:spPr>
+          <a:xfrm>
+            <a:off x="2717927" y="4263664"/>
+            <a:ext cx="444826" cy="441316"/>
           </a:xfrm>
           <a:prstGeom prst="rect">
             <a:avLst/>
           </a:prstGeom>
-          <a:noFill/>
-        </p:spPr>
-        <p:txBody>
-          <a:bodyPr wrap="square" rtlCol="0">
-            <a:spAutoFit/>
-          </a:bodyPr>
-          <a:lstStyle/>
-          <a:p>
-            <a:r>
-              <a:rPr lang="en-US" altLang="ko-KR" sz="2400" dirty="0" smtClean="0">
-                <a:latin typeface="나눔바른고딕" panose="020B0603020101020101" pitchFamily="50" charset="-127"/>
-                <a:ea typeface="나눔바른고딕" panose="020B0603020101020101" pitchFamily="50" charset="-127"/>
-              </a:rPr>
-              <a:t>DASH Client</a:t>
-            </a:r>
-          </a:p>
-        </p:txBody>
-      </p:sp>
-      <p:sp>
-        <p:nvSpPr>
-          <p:cNvPr id="43" name="TextBox 42"/>
-          <p:cNvSpPr txBox="1"/>
+        </p:spPr>
+      </p:pic>
+      <p:grpSp>
+        <p:nvGrpSpPr>
+          <p:cNvPr id="44" name="그룹 43"/>
+          <p:cNvGrpSpPr/>
           <p:nvPr/>
-        </p:nvSpPr>
-        <p:spPr>
-          <a:xfrm>
-            <a:off x="7300206" y="4922454"/>
-            <a:ext cx="4348868" cy="369332"/>
+        </p:nvGrpSpPr>
+        <p:grpSpPr>
+          <a:xfrm>
+            <a:off x="2589033" y="4798137"/>
+            <a:ext cx="678265" cy="905582"/>
+            <a:chOff x="1090105" y="3592107"/>
+            <a:chExt cx="945594" cy="1322793"/>
+          </a:xfrm>
+        </p:grpSpPr>
+        <p:pic>
+          <p:nvPicPr>
+            <p:cNvPr id="45" name="Picture 4" descr="Raspberry Pi logo"/>
+            <p:cNvPicPr>
+              <a:picLocks noChangeAspect="1" noChangeArrowheads="1"/>
+            </p:cNvPicPr>
+            <p:nvPr/>
+          </p:nvPicPr>
+          <p:blipFill>
+            <a:blip r:embed="rId4" cstate="print">
+              <a:extLst>
+                <a:ext uri="{28A0092B-C50C-407E-A947-70E740481C1C}">
+                  <a14:useLocalDpi xmlns:a14="http://schemas.microsoft.com/office/drawing/2010/main" val="0"/>
+                </a:ext>
+              </a:extLst>
+            </a:blip>
+            <a:srcRect/>
+            <a:stretch>
+              <a:fillRect/>
+            </a:stretch>
+          </p:blipFill>
+          <p:spPr bwMode="auto">
+            <a:xfrm>
+              <a:off x="1090105" y="3984197"/>
+              <a:ext cx="945594" cy="930703"/>
+            </a:xfrm>
+            <a:prstGeom prst="rect">
+              <a:avLst/>
+            </a:prstGeom>
+            <a:noFill/>
+            <a:extLst>
+              <a:ext uri="{909E8E84-426E-40DD-AFC4-6F175D3DCCD1}">
+                <a14:hiddenFill xmlns:a14="http://schemas.microsoft.com/office/drawing/2010/main">
+                  <a:solidFill>
+                    <a:srgbClr val="FFFFFF"/>
+                  </a:solidFill>
+                </a14:hiddenFill>
+              </a:ext>
+            </a:extLst>
+          </p:spPr>
+        </p:pic>
+        <p:pic>
+          <p:nvPicPr>
+            <p:cNvPr id="46" name="Picture 6" descr="https://www.konyvtar.elte.hu/sites/default/files/styles/szolgaltataskep_300x500/public/wifi.png?itok=Pi1VuKJ1"/>
+            <p:cNvPicPr>
+              <a:picLocks noChangeAspect="1" noChangeArrowheads="1"/>
+            </p:cNvPicPr>
+            <p:nvPr/>
+          </p:nvPicPr>
+          <p:blipFill>
+            <a:blip r:embed="rId5" cstate="print">
+              <a:extLst>
+                <a:ext uri="{28A0092B-C50C-407E-A947-70E740481C1C}">
+                  <a14:useLocalDpi xmlns:a14="http://schemas.microsoft.com/office/drawing/2010/main" val="0"/>
+                </a:ext>
+              </a:extLst>
+            </a:blip>
+            <a:srcRect/>
+            <a:stretch>
+              <a:fillRect/>
+            </a:stretch>
+          </p:blipFill>
+          <p:spPr bwMode="auto">
+            <a:xfrm>
+              <a:off x="1204126" y="3592107"/>
+              <a:ext cx="751094" cy="500729"/>
+            </a:xfrm>
+            <a:prstGeom prst="rect">
+              <a:avLst/>
+            </a:prstGeom>
+            <a:noFill/>
+            <a:extLst>
+              <a:ext uri="{909E8E84-426E-40DD-AFC4-6F175D3DCCD1}">
+                <a14:hiddenFill xmlns:a14="http://schemas.microsoft.com/office/drawing/2010/main">
+                  <a:solidFill>
+                    <a:srgbClr val="FFFFFF"/>
+                  </a:solidFill>
+                </a14:hiddenFill>
+              </a:ext>
+            </a:extLst>
+          </p:spPr>
+        </p:pic>
+      </p:grpSp>
+      <p:grpSp>
+        <p:nvGrpSpPr>
+          <p:cNvPr id="47" name="그룹 46"/>
+          <p:cNvGrpSpPr/>
+          <p:nvPr/>
+        </p:nvGrpSpPr>
+        <p:grpSpPr>
+          <a:xfrm>
+            <a:off x="1095176" y="4597897"/>
+            <a:ext cx="678265" cy="905582"/>
+            <a:chOff x="1090105" y="3592107"/>
+            <a:chExt cx="945594" cy="1322793"/>
+          </a:xfrm>
+        </p:grpSpPr>
+        <p:pic>
+          <p:nvPicPr>
+            <p:cNvPr id="48" name="Picture 4" descr="Raspberry Pi logo"/>
+            <p:cNvPicPr>
+              <a:picLocks noChangeAspect="1" noChangeArrowheads="1"/>
+            </p:cNvPicPr>
+            <p:nvPr/>
+          </p:nvPicPr>
+          <p:blipFill>
+            <a:blip r:embed="rId4" cstate="print">
+              <a:extLst>
+                <a:ext uri="{28A0092B-C50C-407E-A947-70E740481C1C}">
+                  <a14:useLocalDpi xmlns:a14="http://schemas.microsoft.com/office/drawing/2010/main" val="0"/>
+                </a:ext>
+              </a:extLst>
+            </a:blip>
+            <a:srcRect/>
+            <a:stretch>
+              <a:fillRect/>
+            </a:stretch>
+          </p:blipFill>
+          <p:spPr bwMode="auto">
+            <a:xfrm>
+              <a:off x="1090105" y="3984197"/>
+              <a:ext cx="945594" cy="930703"/>
+            </a:xfrm>
+            <a:prstGeom prst="rect">
+              <a:avLst/>
+            </a:prstGeom>
+            <a:noFill/>
+            <a:extLst>
+              <a:ext uri="{909E8E84-426E-40DD-AFC4-6F175D3DCCD1}">
+                <a14:hiddenFill xmlns:a14="http://schemas.microsoft.com/office/drawing/2010/main">
+                  <a:solidFill>
+                    <a:srgbClr val="FFFFFF"/>
+                  </a:solidFill>
+                </a14:hiddenFill>
+              </a:ext>
+            </a:extLst>
+          </p:spPr>
+        </p:pic>
+        <p:pic>
+          <p:nvPicPr>
+            <p:cNvPr id="49" name="Picture 6" descr="https://www.konyvtar.elte.hu/sites/default/files/styles/szolgaltataskep_300x500/public/wifi.png?itok=Pi1VuKJ1"/>
+            <p:cNvPicPr>
+              <a:picLocks noChangeAspect="1" noChangeArrowheads="1"/>
+            </p:cNvPicPr>
+            <p:nvPr/>
+          </p:nvPicPr>
+          <p:blipFill>
+            <a:blip r:embed="rId5" cstate="print">
+              <a:extLst>
+                <a:ext uri="{28A0092B-C50C-407E-A947-70E740481C1C}">
+                  <a14:useLocalDpi xmlns:a14="http://schemas.microsoft.com/office/drawing/2010/main" val="0"/>
+                </a:ext>
+              </a:extLst>
+            </a:blip>
+            <a:srcRect/>
+            <a:stretch>
+              <a:fillRect/>
+            </a:stretch>
+          </p:blipFill>
+          <p:spPr bwMode="auto">
+            <a:xfrm>
+              <a:off x="1204126" y="3592107"/>
+              <a:ext cx="751094" cy="500729"/>
+            </a:xfrm>
+            <a:prstGeom prst="rect">
+              <a:avLst/>
+            </a:prstGeom>
+            <a:noFill/>
+            <a:extLst>
+              <a:ext uri="{909E8E84-426E-40DD-AFC4-6F175D3DCCD1}">
+                <a14:hiddenFill xmlns:a14="http://schemas.microsoft.com/office/drawing/2010/main">
+                  <a:solidFill>
+                    <a:srgbClr val="FFFFFF"/>
+                  </a:solidFill>
+                </a14:hiddenFill>
+              </a:ext>
+            </a:extLst>
+          </p:spPr>
+        </p:pic>
+      </p:grpSp>
+      <p:pic>
+        <p:nvPicPr>
+          <p:cNvPr id="50" name="그림 49"/>
+          <p:cNvPicPr>
+            <a:picLocks noChangeAspect="1"/>
+          </p:cNvPicPr>
+          <p:nvPr/>
+        </p:nvPicPr>
+        <p:blipFill>
+          <a:blip r:embed="rId9"/>
+          <a:stretch>
+            <a:fillRect/>
+          </a:stretch>
+        </p:blipFill>
+        <p:spPr>
+          <a:xfrm>
+            <a:off x="3421328" y="3789367"/>
+            <a:ext cx="444826" cy="441316"/>
           </a:xfrm>
           <a:prstGeom prst="rect">
             <a:avLst/>
           </a:prstGeom>
-          <a:noFill/>
-        </p:spPr>
-        <p:txBody>
-          <a:bodyPr wrap="square" rtlCol="0">
-            <a:spAutoFit/>
-          </a:bodyPr>
+        </p:spPr>
+      </p:pic>
+      <p:pic>
+        <p:nvPicPr>
+          <p:cNvPr id="51" name="그림 50"/>
+          <p:cNvPicPr>
+            <a:picLocks noChangeAspect="1"/>
+          </p:cNvPicPr>
+          <p:nvPr/>
+        </p:nvPicPr>
+        <p:blipFill>
+          <a:blip r:embed="rId9"/>
+          <a:stretch>
+            <a:fillRect/>
+          </a:stretch>
+        </p:blipFill>
+        <p:spPr>
+          <a:xfrm>
+            <a:off x="2020719" y="3796138"/>
+            <a:ext cx="444826" cy="441316"/>
+          </a:xfrm>
+          <a:prstGeom prst="rect">
+            <a:avLst/>
+          </a:prstGeom>
+        </p:spPr>
+      </p:pic>
+      <p:cxnSp>
+        <p:nvCxnSpPr>
+          <p:cNvPr id="10" name="직선 연결선 9"/>
+          <p:cNvCxnSpPr>
+            <a:stCxn id="51" idx="3"/>
+            <a:endCxn id="50" idx="1"/>
+          </p:cNvCxnSpPr>
+          <p:nvPr/>
+        </p:nvCxnSpPr>
+        <p:spPr>
+          <a:xfrm flipV="1">
+            <a:off x="2465545" y="4010025"/>
+            <a:ext cx="955783" cy="6771"/>
+          </a:xfrm>
+          <a:prstGeom prst="line">
+            <a:avLst/>
+          </a:prstGeom>
+        </p:spPr>
+        <p:style>
+          <a:lnRef idx="1">
+            <a:schemeClr val="dk1"/>
+          </a:lnRef>
+          <a:fillRef idx="0">
+            <a:schemeClr val="dk1"/>
+          </a:fillRef>
+          <a:effectRef idx="0">
+            <a:schemeClr val="dk1"/>
+          </a:effectRef>
+          <a:fontRef idx="minor">
+            <a:schemeClr val="tx1"/>
+          </a:fontRef>
+        </p:style>
+      </p:cxnSp>
+      <p:cxnSp>
+        <p:nvCxnSpPr>
+          <p:cNvPr id="19" name="직선 연결선 18"/>
+          <p:cNvCxnSpPr>
+            <a:stCxn id="51" idx="2"/>
+            <a:endCxn id="8" idx="1"/>
+          </p:cNvCxnSpPr>
+          <p:nvPr/>
+        </p:nvCxnSpPr>
+        <p:spPr>
+          <a:xfrm>
+            <a:off x="2243132" y="4237454"/>
+            <a:ext cx="474795" cy="246868"/>
+          </a:xfrm>
+          <a:prstGeom prst="line">
+            <a:avLst/>
+          </a:prstGeom>
+        </p:spPr>
+        <p:style>
+          <a:lnRef idx="1">
+            <a:schemeClr val="dk1"/>
+          </a:lnRef>
+          <a:fillRef idx="0">
+            <a:schemeClr val="dk1"/>
+          </a:fillRef>
+          <a:effectRef idx="0">
+            <a:schemeClr val="dk1"/>
+          </a:effectRef>
+          <a:fontRef idx="minor">
+            <a:schemeClr val="tx1"/>
+          </a:fontRef>
+        </p:style>
+      </p:cxnSp>
+      <p:cxnSp>
+        <p:nvCxnSpPr>
+          <p:cNvPr id="21" name="직선 연결선 20"/>
+          <p:cNvCxnSpPr>
+            <a:stCxn id="8" idx="3"/>
+            <a:endCxn id="50" idx="2"/>
+          </p:cNvCxnSpPr>
+          <p:nvPr/>
+        </p:nvCxnSpPr>
+        <p:spPr>
+          <a:xfrm flipV="1">
+            <a:off x="3162753" y="4230683"/>
+            <a:ext cx="480988" cy="253639"/>
+          </a:xfrm>
+          <a:prstGeom prst="line">
+            <a:avLst/>
+          </a:prstGeom>
+        </p:spPr>
+        <p:style>
+          <a:lnRef idx="1">
+            <a:schemeClr val="dk1"/>
+          </a:lnRef>
+          <a:fillRef idx="0">
+            <a:schemeClr val="dk1"/>
+          </a:fillRef>
+          <a:effectRef idx="0">
+            <a:schemeClr val="dk1"/>
+          </a:effectRef>
+          <a:fontRef idx="minor">
+            <a:schemeClr val="tx1"/>
+          </a:fontRef>
+        </p:style>
+      </p:cxnSp>
+      <p:cxnSp>
+        <p:nvCxnSpPr>
+          <p:cNvPr id="23" name="직선 연결선 22"/>
+          <p:cNvCxnSpPr>
+            <a:stCxn id="8" idx="2"/>
+            <a:endCxn id="46" idx="0"/>
+          </p:cNvCxnSpPr>
+          <p:nvPr/>
+        </p:nvCxnSpPr>
+        <p:spPr>
+          <a:xfrm flipH="1">
+            <a:off x="2940195" y="4704980"/>
+            <a:ext cx="145" cy="93157"/>
+          </a:xfrm>
+          <a:prstGeom prst="line">
+            <a:avLst/>
+          </a:prstGeom>
+        </p:spPr>
+        <p:style>
+          <a:lnRef idx="1">
+            <a:schemeClr val="dk1"/>
+          </a:lnRef>
+          <a:fillRef idx="0">
+            <a:schemeClr val="dk1"/>
+          </a:fillRef>
+          <a:effectRef idx="0">
+            <a:schemeClr val="dk1"/>
+          </a:effectRef>
+          <a:fontRef idx="minor">
+            <a:schemeClr val="tx1"/>
+          </a:fontRef>
+        </p:style>
+      </p:cxnSp>
+      <p:cxnSp>
+        <p:nvCxnSpPr>
+          <p:cNvPr id="25" name="직선 연결선 24"/>
+          <p:cNvCxnSpPr>
+            <a:stCxn id="51" idx="1"/>
+            <a:endCxn id="49" idx="0"/>
+          </p:cNvCxnSpPr>
+          <p:nvPr/>
+        </p:nvCxnSpPr>
+        <p:spPr>
+          <a:xfrm flipH="1">
+            <a:off x="1446338" y="4016796"/>
+            <a:ext cx="574381" cy="581101"/>
+          </a:xfrm>
+          <a:prstGeom prst="line">
+            <a:avLst/>
+          </a:prstGeom>
+        </p:spPr>
+        <p:style>
+          <a:lnRef idx="1">
+            <a:schemeClr val="dk1"/>
+          </a:lnRef>
+          <a:fillRef idx="0">
+            <a:schemeClr val="dk1"/>
+          </a:fillRef>
+          <a:effectRef idx="0">
+            <a:schemeClr val="dk1"/>
+          </a:effectRef>
+          <a:fontRef idx="minor">
+            <a:schemeClr val="tx1"/>
+          </a:fontRef>
+        </p:style>
+      </p:cxnSp>
+      <p:cxnSp>
+        <p:nvCxnSpPr>
+          <p:cNvPr id="27" name="직선 연결선 26"/>
+          <p:cNvCxnSpPr>
+            <a:stCxn id="50" idx="3"/>
+            <a:endCxn id="93" idx="0"/>
+          </p:cNvCxnSpPr>
+          <p:nvPr/>
+        </p:nvCxnSpPr>
+        <p:spPr>
+          <a:xfrm>
+            <a:off x="3866154" y="4010025"/>
+            <a:ext cx="612000" cy="552878"/>
+          </a:xfrm>
+          <a:prstGeom prst="line">
+            <a:avLst/>
+          </a:prstGeom>
+        </p:spPr>
+        <p:style>
+          <a:lnRef idx="1">
+            <a:schemeClr val="dk1"/>
+          </a:lnRef>
+          <a:fillRef idx="0">
+            <a:schemeClr val="dk1"/>
+          </a:fillRef>
+          <a:effectRef idx="0">
+            <a:schemeClr val="dk1"/>
+          </a:effectRef>
+          <a:fontRef idx="minor">
+            <a:schemeClr val="tx1"/>
+          </a:fontRef>
+        </p:style>
+      </p:cxnSp>
+      <p:pic>
+        <p:nvPicPr>
+          <p:cNvPr id="73" name="그림 72"/>
+          <p:cNvPicPr>
+            <a:picLocks noChangeAspect="1"/>
+          </p:cNvPicPr>
+          <p:nvPr/>
+        </p:nvPicPr>
+        <p:blipFill>
+          <a:blip r:embed="rId7"/>
+          <a:stretch>
+            <a:fillRect/>
+          </a:stretch>
+        </p:blipFill>
+        <p:spPr>
+          <a:xfrm rot="3227283">
+            <a:off x="3287853" y="5691232"/>
+            <a:ext cx="349939" cy="114679"/>
+          </a:xfrm>
+          <a:prstGeom prst="rect">
+            <a:avLst/>
+          </a:prstGeom>
+        </p:spPr>
+      </p:pic>
+      <p:pic>
+        <p:nvPicPr>
+          <p:cNvPr id="74" name="그림 73"/>
+          <p:cNvPicPr>
+            <a:picLocks noChangeAspect="1"/>
+          </p:cNvPicPr>
+          <p:nvPr/>
+        </p:nvPicPr>
+        <p:blipFill>
+          <a:blip r:embed="rId7"/>
+          <a:stretch>
+            <a:fillRect/>
+          </a:stretch>
+        </p:blipFill>
+        <p:spPr>
+          <a:xfrm rot="18372717" flipH="1">
+            <a:off x="2154564" y="5680433"/>
+            <a:ext cx="349939" cy="114679"/>
+          </a:xfrm>
+          <a:prstGeom prst="rect">
+            <a:avLst/>
+          </a:prstGeom>
+        </p:spPr>
+      </p:pic>
+      <p:sp>
+        <p:nvSpPr>
+          <p:cNvPr id="28" name="위쪽 화살표 27"/>
+          <p:cNvSpPr/>
+          <p:nvPr/>
+        </p:nvSpPr>
+        <p:spPr>
+          <a:xfrm>
+            <a:off x="2551438" y="3153606"/>
+            <a:ext cx="238762" cy="266700"/>
+          </a:xfrm>
+          <a:prstGeom prst="upArrow">
+            <a:avLst/>
+          </a:prstGeom>
+        </p:spPr>
+        <p:style>
+          <a:lnRef idx="2">
+            <a:schemeClr val="accent1">
+              <a:shade val="50000"/>
+            </a:schemeClr>
+          </a:lnRef>
+          <a:fillRef idx="1">
+            <a:schemeClr val="accent1"/>
+          </a:fillRef>
+          <a:effectRef idx="0">
+            <a:schemeClr val="accent1"/>
+          </a:effectRef>
+          <a:fontRef idx="minor">
+            <a:schemeClr val="lt1"/>
+          </a:fontRef>
+        </p:style>
+        <p:txBody>
+          <a:bodyPr rtlCol="0" anchor="ctr"/>
           <a:lstStyle/>
           <a:p>
-            <a:pPr marL="285750" indent="-285750">
-              <a:buFont typeface="Wingdings" panose="05000000000000000000" pitchFamily="2" charset="2"/>
-              <a:buChar char="§"/>
-            </a:pPr>
-            <a:r>
-              <a:rPr lang="ko-KR" altLang="en-US" dirty="0" smtClean="0">
-                <a:latin typeface="나눔바른고딕" panose="020B0603020101020101" pitchFamily="50" charset="-127"/>
-                <a:ea typeface="나눔바른고딕" panose="020B0603020101020101" pitchFamily="50" charset="-127"/>
-              </a:rPr>
-              <a:t>내용</a:t>
-            </a:r>
-            <a:endParaRPr lang="en-US" altLang="ko-KR" dirty="0" smtClean="0">
-              <a:latin typeface="나눔바른고딕" panose="020B0603020101020101" pitchFamily="50" charset="-127"/>
-              <a:ea typeface="나눔바른고딕" panose="020B0603020101020101" pitchFamily="50" charset="-127"/>
-            </a:endParaRPr>
+            <a:pPr algn="ctr"/>
+            <a:endParaRPr lang="ko-KR" altLang="en-US"/>
+          </a:p>
+        </p:txBody>
+      </p:sp>
+      <p:sp>
+        <p:nvSpPr>
+          <p:cNvPr id="77" name="위쪽 화살표 76"/>
+          <p:cNvSpPr/>
+          <p:nvPr/>
+        </p:nvSpPr>
+        <p:spPr>
+          <a:xfrm flipV="1">
+            <a:off x="3074429" y="3172483"/>
+            <a:ext cx="238762" cy="266700"/>
+          </a:xfrm>
+          <a:prstGeom prst="upArrow">
+            <a:avLst/>
+          </a:prstGeom>
+        </p:spPr>
+        <p:style>
+          <a:lnRef idx="2">
+            <a:schemeClr val="accent1">
+              <a:shade val="50000"/>
+            </a:schemeClr>
+          </a:lnRef>
+          <a:fillRef idx="1">
+            <a:schemeClr val="accent1"/>
+          </a:fillRef>
+          <a:effectRef idx="0">
+            <a:schemeClr val="accent1"/>
+          </a:effectRef>
+          <a:fontRef idx="minor">
+            <a:schemeClr val="lt1"/>
+          </a:fontRef>
+        </p:style>
+        <p:txBody>
+          <a:bodyPr rtlCol="0" anchor="ctr"/>
+          <a:lstStyle/>
+          <a:p>
+            <a:pPr algn="ctr"/>
+            <a:endParaRPr lang="ko-KR" altLang="en-US"/>
           </a:p>
         </p:txBody>
       </p:sp>
     </p:spTree>
     <p:extLst>
       <p:ext uri="{BB962C8B-B14F-4D97-AF65-F5344CB8AC3E}">
-        <p14:creationId xmlns:p14="http://schemas.microsoft.com/office/powerpoint/2010/main" val="546211916"/>
+        <p14:creationId xmlns:p14="http://schemas.microsoft.com/office/powerpoint/2010/main" val="2531331370"/>
       </p:ext>
     </p:extLst>
   </p:cSld>
